--- a/output.pptx
+++ b/output.pptx
@@ -5,11 +5,11 @@
     <p:sldMasterId id="2147483648" r:id="rId1"/>
   </p:sldMasterIdLst>
   <p:notesMasterIdLst>
-    <p:notesMasterId r:id="rId4"/>
+    <p:notesMasterId r:id="rId5"/>
   </p:notesMasterIdLst>
   <p:sldIdLst>
     <p:sldId id="294" r:id="rId2"/>
-    <p:sldId id="327" r:id="rId9"/>
+    <p:sldId id="327" r:id="rId4"/>
     <p:sldId id="328" r:id="rId10"/>
     <p:sldId id="329" r:id="rId11"/>
     <p:sldId id="330" r:id="rId12"/>
@@ -29,6 +29,11 @@
     <p:sldId id="344" r:id="rId26"/>
     <p:sldId id="345" r:id="rId27"/>
     <p:sldId id="346" r:id="rId28"/>
+    <p:sldId id="347" r:id="rId29"/>
+    <p:sldId id="348" r:id="rId30"/>
+    <p:sldId id="349" r:id="rId31"/>
+    <p:sldId id="350" r:id="rId32"/>
+    <p:sldId id="351" r:id="rId33"/>
   </p:sldIdLst>
   <p:sldSz cx="12192000" cy="6858000"/>
   <p:notesSz cx="6858000" cy="9144000"/>
@@ -506,6 +511,90 @@
     </a:lvl9pPr>
   </p:notesStyle>
 </p:notesMaster>
+</file>
+
+<file path=ppt/notesSlides/notesSlide2.xml><?xml version="1.0" encoding="utf-8"?>
+<p:notes xmlns:a="http://schemas.openxmlformats.org/drawingml/2006/main" xmlns:r="http://schemas.openxmlformats.org/officeDocument/2006/relationships" xmlns:p="http://schemas.openxmlformats.org/presentationml/2006/main">
+  <p:cSld>
+    <p:spTree>
+      <p:nvGrpSpPr>
+        <p:cNvPr id="1" name=""/>
+        <p:cNvGrpSpPr/>
+        <p:nvPr/>
+      </p:nvGrpSpPr>
+      <p:grpSpPr>
+        <a:xfrm>
+          <a:off x="0" y="0"/>
+          <a:ext cx="0" cy="0"/>
+          <a:chOff x="0" y="0"/>
+          <a:chExt cx="0" cy="0"/>
+        </a:xfrm>
+      </p:grpSpPr>
+      <p:sp>
+        <p:nvSpPr>
+          <p:cNvPr id="2" name="Marcador de imagen de diapositiva 1"/>
+          <p:cNvSpPr>
+            <a:spLocks noGrp="1" noRot="1" noChangeAspect="1"/>
+          </p:cNvSpPr>
+          <p:nvPr>
+            <p:ph type="sldImg"/>
+          </p:nvPr>
+        </p:nvSpPr>
+        <p:spPr/>
+      </p:sp>
+      <p:sp>
+        <p:nvSpPr>
+          <p:cNvPr id="3" name="Marcador de notas 2"/>
+          <p:cNvSpPr>
+            <a:spLocks noGrp="1"/>
+          </p:cNvSpPr>
+          <p:nvPr>
+            <p:ph type="body" idx="1"/>
+          </p:nvPr>
+        </p:nvSpPr>
+        <p:spPr/>
+        <p:txBody>
+          <a:bodyPr/>
+          <a:lstStyle/>
+          <a:p>
+            <a:endParaRPr lang="es-ES"/>
+          </a:p>
+        </p:txBody>
+      </p:sp>
+      <p:sp>
+        <p:nvSpPr>
+          <p:cNvPr id="4" name="Marcador de número de diapositiva 3"/>
+          <p:cNvSpPr>
+            <a:spLocks noGrp="1"/>
+          </p:cNvSpPr>
+          <p:nvPr>
+            <p:ph type="sldNum" sz="quarter" idx="5"/>
+          </p:nvPr>
+        </p:nvSpPr>
+        <p:spPr/>
+        <p:txBody>
+          <a:bodyPr/>
+          <a:lstStyle/>
+          <a:p>
+            <a:fld id="{79E5BFC1-642C-714E-A017-257147E4A516}" type="slidenum">
+              <a:rPr lang="es-ES"/>
+              <a:t>3</a:t>
+            </a:fld>
+            <a:endParaRPr lang="es-ES"/>
+          </a:p>
+        </p:txBody>
+      </p:sp>
+    </p:spTree>
+    <p:extLst>
+      <p:ext uri="{BB962C8B-B14F-4D97-AF65-F5344CB8AC3E}">
+        <p14:creationId xmlns:p14="http://schemas.microsoft.com/office/powerpoint/2010/main" val="1202887332"/>
+      </p:ext>
+    </p:extLst>
+  </p:cSld>
+  <p:clrMapOvr>
+    <a:masterClrMapping/>
+  </p:clrMapOvr>
+</p:notes>
 </file>
 
 <file path=ppt/slideLayouts/slideLayout1.xml><?xml version="1.0" encoding="utf-8"?>
@@ -4527,7 +4616,7 @@
                 <a:cs typeface="Calibri"/>
                 <a:sym typeface="Calibri"/>
               </a:rPr>
-              <a:t>1.8. Próximos pasos</a:t>
+              <a:t>1.6. Caso de estudio: Energía</a:t>
             </a:r>
             <a:endParaRPr sz="3000">
               <a:latin typeface="Calibri"/>
@@ -4728,7 +4817,7 @@
                 <a:cs typeface="Calibri"/>
                 <a:sym typeface="Calibri"/>
               </a:rPr>
-              <a:t>08 - 20</a:t>
+              <a:t>06 - 20</a:t>
             </a:r>
             <a:endParaRPr sz="2500" b="1">
               <a:solidFill>
@@ -4852,7 +4941,7 @@
                 <a:cs typeface="Calibri"/>
                 <a:sym typeface="Calibri"/>
               </a:rPr>
-              <a:t>2. Fundamentos de Transformo</a:t>
+              <a:t>1. Introducción al Tema</a:t>
             </a:r>
             <a:endParaRPr sz="4000">
               <a:latin typeface="Calibri"/>
@@ -4869,7 +4958,7 @@
                 <a:cs typeface="Calibri"/>
                 <a:sym typeface="Calibri"/>
               </a:rPr>
-              <a:t>2.1. Principios básicos</a:t>
+              <a:t>1.7. Resumen</a:t>
             </a:r>
             <a:endParaRPr sz="3000">
               <a:latin typeface="Calibri"/>
@@ -5070,7 +5159,7 @@
                 <a:cs typeface="Calibri"/>
                 <a:sym typeface="Calibri"/>
               </a:rPr>
-              <a:t>09 - 20</a:t>
+              <a:t>07 - 20</a:t>
             </a:r>
             <a:endParaRPr sz="2500" b="1">
               <a:solidFill>
@@ -5194,7 +5283,7 @@
                 <a:cs typeface="Calibri"/>
                 <a:sym typeface="Calibri"/>
               </a:rPr>
-              <a:t>2. Fundamentos de Transformo</a:t>
+              <a:t>1. Introducción al Tema</a:t>
             </a:r>
             <a:endParaRPr sz="4000">
               <a:latin typeface="Calibri"/>
@@ -5211,7 +5300,7 @@
                 <a:cs typeface="Calibri"/>
                 <a:sym typeface="Calibri"/>
               </a:rPr>
-              <a:t>2.2. Características avanzadas</a:t>
+              <a:t>1.8. Próximos pasos</a:t>
             </a:r>
             <a:endParaRPr sz="3000">
               <a:latin typeface="Calibri"/>
@@ -5412,7 +5501,7 @@
                 <a:cs typeface="Calibri"/>
                 <a:sym typeface="Calibri"/>
               </a:rPr>
-              <a:t>10 - 20</a:t>
+              <a:t>08 - 20</a:t>
             </a:r>
             <a:endParaRPr sz="2500" b="1">
               <a:solidFill>
@@ -5513,7 +5602,7 @@
         <p:spPr>
           <a:xfrm>
             <a:off x="352526" y="550203"/>
-            <a:ext cx="8360973" cy="1262100"/>
+            <a:ext cx="8360973" cy="800189"/>
           </a:xfrm>
           <a:prstGeom prst="rect">
             <a:avLst/>
@@ -5536,24 +5625,7 @@
                 <a:cs typeface="Calibri"/>
                 <a:sym typeface="Calibri"/>
               </a:rPr>
-              <a:t>2. Fundamentos de Transformo</a:t>
-            </a:r>
-            <a:endParaRPr sz="4000">
-              <a:latin typeface="Calibri"/>
-              <a:ea typeface="Calibri"/>
-              <a:cs typeface="Calibri"/>
-              <a:sym typeface="Calibri"/>
-            </a:endParaRPr>
-          </a:p>
-          <a:p>
-            <a:r>
-              <a:rPr lang="es-ES" sz="3000">
-                <a:latin typeface="Calibri"/>
-                <a:ea typeface="Calibri"/>
-                <a:cs typeface="Calibri"/>
-                <a:sym typeface="Calibri"/>
-              </a:rPr>
-              <a:t>2.3. Caso de estudio: Automoción</a:t>
+              <a:t>Roadmap</a:t>
             </a:r>
             <a:endParaRPr sz="3000">
               <a:latin typeface="Calibri"/>
@@ -5579,7 +5651,7 @@
         <p:spPr>
           <a:xfrm>
             <a:off x="-11490" y="6529100"/>
-            <a:ext cx="11348500" cy="343910"/>
+            <a:ext cx="12202886" cy="343910"/>
           </a:xfrm>
           <a:prstGeom prst="rect">
             <a:avLst/>
@@ -5620,58 +5692,6 @@
       </p:sp>
       <p:sp>
         <p:nvSpPr>
-          <p:cNvPr id="6" name="Elipse 5">
-            <a:extLst>
-              <a:ext uri="{FF2B5EF4-FFF2-40B4-BE49-F238E27FC236}">
-                <a16:creationId xmlns:a16="http://schemas.microsoft.com/office/drawing/2014/main" id="{A21EC5A5-23EA-60FD-46B7-7FAD7834D26E}"/>
-              </a:ext>
-            </a:extLst>
-          </p:cNvPr>
-          <p:cNvSpPr/>
-          <p:nvPr/>
-        </p:nvSpPr>
-        <p:spPr>
-          <a:xfrm>
-            <a:off x="10852690" y="5972624"/>
-            <a:ext cx="1413790" cy="1263153"/>
-          </a:xfrm>
-          <a:prstGeom prst="ellipse">
-            <a:avLst/>
-          </a:prstGeom>
-          <a:solidFill>
-            <a:srgbClr val="A80C30"/>
-          </a:solidFill>
-          <a:ln>
-            <a:noFill/>
-          </a:ln>
-        </p:spPr>
-        <p:style>
-          <a:lnRef idx="2">
-            <a:schemeClr val="accent1">
-              <a:shade val="50000"/>
-            </a:schemeClr>
-          </a:lnRef>
-          <a:fillRef idx="1">
-            <a:schemeClr val="accent1"/>
-          </a:fillRef>
-          <a:effectRef idx="0">
-            <a:schemeClr val="accent1"/>
-          </a:effectRef>
-          <a:fontRef idx="minor">
-            <a:schemeClr val="lt1"/>
-          </a:fontRef>
-        </p:style>
-        <p:txBody>
-          <a:bodyPr rtlCol="0" anchor="ctr"/>
-          <a:lstStyle/>
-          <a:p>
-            <a:pPr algn="ctr"/>
-            <a:endParaRPr lang="es-ES"/>
-          </a:p>
-        </p:txBody>
-      </p:sp>
-      <p:sp>
-        <p:nvSpPr>
           <p:cNvPr id="5" name="CuadroTexto 4">
             <a:extLst>
               <a:ext uri="{FF2B5EF4-FFF2-40B4-BE49-F238E27FC236}">
@@ -5714,10 +5734,10 @@
       </p:sp>
       <p:sp>
         <p:nvSpPr>
-          <p:cNvPr id="7" name="Google Shape;170;p17">
-            <a:extLst>
-              <a:ext uri="{FF2B5EF4-FFF2-40B4-BE49-F238E27FC236}">
-                <a16:creationId xmlns:a16="http://schemas.microsoft.com/office/drawing/2014/main" id="{27080597-2E99-61C9-2277-0BE143507FA1}"/>
+          <p:cNvPr id="8" name="Google Shape;57;p8">
+            <a:extLst>
+              <a:ext uri="{FF2B5EF4-FFF2-40B4-BE49-F238E27FC236}">
+                <a16:creationId xmlns:a16="http://schemas.microsoft.com/office/drawing/2014/main" id="{A80284A9-9FAA-7144-39C9-5E8025C178D5}"/>
               </a:ext>
             </a:extLst>
           </p:cNvPr>
@@ -5726,8 +5746,8 @@
         </p:nvSpPr>
         <p:spPr>
           <a:xfrm>
-            <a:off x="10927171" y="6263662"/>
-            <a:ext cx="1264829" cy="954077"/>
+            <a:off x="1055688" y="1420604"/>
+            <a:ext cx="8360973" cy="646300"/>
           </a:xfrm>
           <a:prstGeom prst="rect">
             <a:avLst/>
@@ -5743,28 +5763,36 @@
           </a:bodyPr>
           <a:lstStyle/>
           <a:p>
-            <a:pPr algn="ctr"/>
-            <a:r>
-              <a:rPr lang="es-ES" sz="2500" b="1">
-                <a:solidFill>
-                  <a:srgbClr val="F3F3F3"/>
-                </a:solidFill>
+            <a:r>
+              <a:rPr b="0" sz="3000">
                 <a:latin typeface="Calibri"/>
-                <a:ea typeface="Calibri"/>
-                <a:cs typeface="Calibri"/>
-                <a:sym typeface="Calibri"/>
               </a:rPr>
-              <a:t>11 - 20</a:t>
-            </a:r>
-            <a:endParaRPr sz="2500" b="1">
-              <a:solidFill>
-                <a:srgbClr val="F3F3F3"/>
-              </a:solidFill>
-              <a:latin typeface="Calibri"/>
-              <a:ea typeface="Calibri"/>
-              <a:cs typeface="Calibri"/>
-              <a:sym typeface="Calibri"/>
-            </a:endParaRPr>
+              <a:t>1. Introducción al Tema</a:t>
+            </a:r>
+          </a:p>
+          <a:p>
+            <a:r>
+              <a:rPr b="1" sz="3000">
+                <a:latin typeface="Calibri"/>
+              </a:rPr>
+              <a:t>2. Fundamentos de Transformo</a:t>
+            </a:r>
+          </a:p>
+          <a:p>
+            <a:r>
+              <a:rPr b="0" sz="3000">
+                <a:latin typeface="Calibri"/>
+              </a:rPr>
+              <a:t>3. Aplicaciones en la industria</a:t>
+            </a:r>
+          </a:p>
+          <a:p>
+            <a:r>
+              <a:rPr b="0" sz="3000">
+                <a:latin typeface="Calibri"/>
+              </a:rPr>
+              <a:t>4. Conclusión y Futuras Direcciones</a:t>
+            </a:r>
           </a:p>
         </p:txBody>
       </p:sp>
@@ -5895,7 +5923,7 @@
                 <a:cs typeface="Calibri"/>
                 <a:sym typeface="Calibri"/>
               </a:rPr>
-              <a:t>2.4. Caso de estudio: Energía</a:t>
+              <a:t>2.1. Principios básicos</a:t>
             </a:r>
             <a:endParaRPr sz="3000">
               <a:latin typeface="Calibri"/>
@@ -6096,7 +6124,7 @@
                 <a:cs typeface="Calibri"/>
                 <a:sym typeface="Calibri"/>
               </a:rPr>
-              <a:t>12 - 20</a:t>
+              <a:t>09 - 20</a:t>
             </a:r>
             <a:endParaRPr sz="2500" b="1">
               <a:solidFill>
@@ -6237,7 +6265,7 @@
                 <a:cs typeface="Calibri"/>
                 <a:sym typeface="Calibri"/>
               </a:rPr>
-              <a:t>2.5. Resumen</a:t>
+              <a:t>2.2. Características avanzadas</a:t>
             </a:r>
             <a:endParaRPr sz="3000">
               <a:latin typeface="Calibri"/>
@@ -6438,7 +6466,7 @@
                 <a:cs typeface="Calibri"/>
                 <a:sym typeface="Calibri"/>
               </a:rPr>
-              <a:t>13 - 20</a:t>
+              <a:t>10 - 20</a:t>
             </a:r>
             <a:endParaRPr sz="2500" b="1">
               <a:solidFill>
@@ -6579,7 +6607,7 @@
                 <a:cs typeface="Calibri"/>
                 <a:sym typeface="Calibri"/>
               </a:rPr>
-              <a:t>2.6. Próximos pasos</a:t>
+              <a:t>2.3. Caso de estudio: Automoción</a:t>
             </a:r>
             <a:endParaRPr sz="3000">
               <a:latin typeface="Calibri"/>
@@ -6780,7 +6808,7 @@
                 <a:cs typeface="Calibri"/>
                 <a:sym typeface="Calibri"/>
               </a:rPr>
-              <a:t>14 - 20</a:t>
+              <a:t>11 - 20</a:t>
             </a:r>
             <a:endParaRPr sz="2500" b="1">
               <a:solidFill>
@@ -6904,7 +6932,7 @@
                 <a:cs typeface="Calibri"/>
                 <a:sym typeface="Calibri"/>
               </a:rPr>
-              <a:t>3. Aplicaciones en la industria</a:t>
+              <a:t>2. Fundamentos de Transformo</a:t>
             </a:r>
             <a:endParaRPr sz="4000">
               <a:latin typeface="Calibri"/>
@@ -6921,7 +6949,7 @@
                 <a:cs typeface="Calibri"/>
                 <a:sym typeface="Calibri"/>
               </a:rPr>
-              <a:t>3.1. Caso de estudio: Automoción</a:t>
+              <a:t>2.4. Caso de estudio: Energía</a:t>
             </a:r>
             <a:endParaRPr sz="3000">
               <a:latin typeface="Calibri"/>
@@ -7122,7 +7150,7 @@
                 <a:cs typeface="Calibri"/>
                 <a:sym typeface="Calibri"/>
               </a:rPr>
-              <a:t>15 - 20</a:t>
+              <a:t>12 - 20</a:t>
             </a:r>
             <a:endParaRPr sz="2500" b="1">
               <a:solidFill>
@@ -7246,7 +7274,7 @@
                 <a:cs typeface="Calibri"/>
                 <a:sym typeface="Calibri"/>
               </a:rPr>
-              <a:t>3. Aplicaciones en la industria</a:t>
+              <a:t>2. Fundamentos de Transformo</a:t>
             </a:r>
             <a:endParaRPr sz="4000">
               <a:latin typeface="Calibri"/>
@@ -7263,7 +7291,7 @@
                 <a:cs typeface="Calibri"/>
                 <a:sym typeface="Calibri"/>
               </a:rPr>
-              <a:t>3.2. Caso de estudio: Energía</a:t>
+              <a:t>2.5. Resumen</a:t>
             </a:r>
             <a:endParaRPr sz="3000">
               <a:latin typeface="Calibri"/>
@@ -7464,7 +7492,7 @@
                 <a:cs typeface="Calibri"/>
                 <a:sym typeface="Calibri"/>
               </a:rPr>
-              <a:t>16 - 20</a:t>
+              <a:t>13 - 20</a:t>
             </a:r>
             <a:endParaRPr sz="2500" b="1">
               <a:solidFill>
@@ -7588,7 +7616,7 @@
                 <a:cs typeface="Calibri"/>
                 <a:sym typeface="Calibri"/>
               </a:rPr>
-              <a:t>3. Aplicaciones en la industria</a:t>
+              <a:t>2. Fundamentos de Transformo</a:t>
             </a:r>
             <a:endParaRPr sz="4000">
               <a:latin typeface="Calibri"/>
@@ -7605,7 +7633,7 @@
                 <a:cs typeface="Calibri"/>
                 <a:sym typeface="Calibri"/>
               </a:rPr>
-              <a:t>3.3. Resumen</a:t>
+              <a:t>2.6. Próximos pasos</a:t>
             </a:r>
             <a:endParaRPr sz="3000">
               <a:latin typeface="Calibri"/>
@@ -7806,7 +7834,7 @@
                 <a:cs typeface="Calibri"/>
                 <a:sym typeface="Calibri"/>
               </a:rPr>
-              <a:t>17 - 20</a:t>
+              <a:t>14 - 20</a:t>
             </a:r>
             <a:endParaRPr sz="2500" b="1">
               <a:solidFill>
@@ -7907,7 +7935,7 @@
         <p:spPr>
           <a:xfrm>
             <a:off x="352526" y="550203"/>
-            <a:ext cx="8360973" cy="1262100"/>
+            <a:ext cx="8360973" cy="800189"/>
           </a:xfrm>
           <a:prstGeom prst="rect">
             <a:avLst/>
@@ -7930,24 +7958,7 @@
                 <a:cs typeface="Calibri"/>
                 <a:sym typeface="Calibri"/>
               </a:rPr>
-              <a:t>3. Aplicaciones en la industria</a:t>
-            </a:r>
-            <a:endParaRPr sz="4000">
-              <a:latin typeface="Calibri"/>
-              <a:ea typeface="Calibri"/>
-              <a:cs typeface="Calibri"/>
-              <a:sym typeface="Calibri"/>
-            </a:endParaRPr>
-          </a:p>
-          <a:p>
-            <a:r>
-              <a:rPr lang="es-ES" sz="3000">
-                <a:latin typeface="Calibri"/>
-                <a:ea typeface="Calibri"/>
-                <a:cs typeface="Calibri"/>
-                <a:sym typeface="Calibri"/>
-              </a:rPr>
-              <a:t>3.4. Próximos pasos</a:t>
+              <a:t>Roadmap</a:t>
             </a:r>
             <a:endParaRPr sz="3000">
               <a:latin typeface="Calibri"/>
@@ -7973,7 +7984,7 @@
         <p:spPr>
           <a:xfrm>
             <a:off x="-11490" y="6529100"/>
-            <a:ext cx="11348500" cy="343910"/>
+            <a:ext cx="12202886" cy="343910"/>
           </a:xfrm>
           <a:prstGeom prst="rect">
             <a:avLst/>
@@ -8014,58 +8025,6 @@
       </p:sp>
       <p:sp>
         <p:nvSpPr>
-          <p:cNvPr id="6" name="Elipse 5">
-            <a:extLst>
-              <a:ext uri="{FF2B5EF4-FFF2-40B4-BE49-F238E27FC236}">
-                <a16:creationId xmlns:a16="http://schemas.microsoft.com/office/drawing/2014/main" id="{A21EC5A5-23EA-60FD-46B7-7FAD7834D26E}"/>
-              </a:ext>
-            </a:extLst>
-          </p:cNvPr>
-          <p:cNvSpPr/>
-          <p:nvPr/>
-        </p:nvSpPr>
-        <p:spPr>
-          <a:xfrm>
-            <a:off x="10852690" y="5972624"/>
-            <a:ext cx="1413790" cy="1263153"/>
-          </a:xfrm>
-          <a:prstGeom prst="ellipse">
-            <a:avLst/>
-          </a:prstGeom>
-          <a:solidFill>
-            <a:srgbClr val="A80C30"/>
-          </a:solidFill>
-          <a:ln>
-            <a:noFill/>
-          </a:ln>
-        </p:spPr>
-        <p:style>
-          <a:lnRef idx="2">
-            <a:schemeClr val="accent1">
-              <a:shade val="50000"/>
-            </a:schemeClr>
-          </a:lnRef>
-          <a:fillRef idx="1">
-            <a:schemeClr val="accent1"/>
-          </a:fillRef>
-          <a:effectRef idx="0">
-            <a:schemeClr val="accent1"/>
-          </a:effectRef>
-          <a:fontRef idx="minor">
-            <a:schemeClr val="lt1"/>
-          </a:fontRef>
-        </p:style>
-        <p:txBody>
-          <a:bodyPr rtlCol="0" anchor="ctr"/>
-          <a:lstStyle/>
-          <a:p>
-            <a:pPr algn="ctr"/>
-            <a:endParaRPr lang="es-ES"/>
-          </a:p>
-        </p:txBody>
-      </p:sp>
-      <p:sp>
-        <p:nvSpPr>
           <p:cNvPr id="5" name="CuadroTexto 4">
             <a:extLst>
               <a:ext uri="{FF2B5EF4-FFF2-40B4-BE49-F238E27FC236}">
@@ -8108,10 +8067,10 @@
       </p:sp>
       <p:sp>
         <p:nvSpPr>
-          <p:cNvPr id="7" name="Google Shape;170;p17">
-            <a:extLst>
-              <a:ext uri="{FF2B5EF4-FFF2-40B4-BE49-F238E27FC236}">
-                <a16:creationId xmlns:a16="http://schemas.microsoft.com/office/drawing/2014/main" id="{27080597-2E99-61C9-2277-0BE143507FA1}"/>
+          <p:cNvPr id="8" name="Google Shape;57;p8">
+            <a:extLst>
+              <a:ext uri="{FF2B5EF4-FFF2-40B4-BE49-F238E27FC236}">
+                <a16:creationId xmlns:a16="http://schemas.microsoft.com/office/drawing/2014/main" id="{A80284A9-9FAA-7144-39C9-5E8025C178D5}"/>
               </a:ext>
             </a:extLst>
           </p:cNvPr>
@@ -8120,8 +8079,8 @@
         </p:nvSpPr>
         <p:spPr>
           <a:xfrm>
-            <a:off x="10927171" y="6263662"/>
-            <a:ext cx="1264829" cy="954077"/>
+            <a:off x="1055688" y="1420604"/>
+            <a:ext cx="8360973" cy="646300"/>
           </a:xfrm>
           <a:prstGeom prst="rect">
             <a:avLst/>
@@ -8137,28 +8096,36 @@
           </a:bodyPr>
           <a:lstStyle/>
           <a:p>
-            <a:pPr algn="ctr"/>
-            <a:r>
-              <a:rPr lang="es-ES" sz="2500" b="1">
-                <a:solidFill>
-                  <a:srgbClr val="F3F3F3"/>
-                </a:solidFill>
+            <a:r>
+              <a:rPr b="0" sz="3000">
                 <a:latin typeface="Calibri"/>
-                <a:ea typeface="Calibri"/>
-                <a:cs typeface="Calibri"/>
-                <a:sym typeface="Calibri"/>
               </a:rPr>
-              <a:t>18 - 20</a:t>
-            </a:r>
-            <a:endParaRPr sz="2500" b="1">
-              <a:solidFill>
-                <a:srgbClr val="F3F3F3"/>
-              </a:solidFill>
-              <a:latin typeface="Calibri"/>
-              <a:ea typeface="Calibri"/>
-              <a:cs typeface="Calibri"/>
-              <a:sym typeface="Calibri"/>
-            </a:endParaRPr>
+              <a:t>1. Introducción al Tema</a:t>
+            </a:r>
+          </a:p>
+          <a:p>
+            <a:r>
+              <a:rPr b="0" sz="3000">
+                <a:latin typeface="Calibri"/>
+              </a:rPr>
+              <a:t>2. Fundamentos de Transformo</a:t>
+            </a:r>
+          </a:p>
+          <a:p>
+            <a:r>
+              <a:rPr b="1" sz="3000">
+                <a:latin typeface="Calibri"/>
+              </a:rPr>
+              <a:t>3. Aplicaciones en la industria</a:t>
+            </a:r>
+          </a:p>
+          <a:p>
+            <a:r>
+              <a:rPr b="0" sz="3000">
+                <a:latin typeface="Calibri"/>
+              </a:rPr>
+              <a:t>4. Conclusión y Futuras Direcciones</a:t>
+            </a:r>
           </a:p>
         </p:txBody>
       </p:sp>
@@ -8272,7 +8239,7 @@
                 <a:cs typeface="Calibri"/>
                 <a:sym typeface="Calibri"/>
               </a:rPr>
-              <a:t>4. Conclusión y Futuras Direcciones</a:t>
+              <a:t>3. Aplicaciones en la industria</a:t>
             </a:r>
             <a:endParaRPr sz="4000">
               <a:latin typeface="Calibri"/>
@@ -8289,7 +8256,7 @@
                 <a:cs typeface="Calibri"/>
                 <a:sym typeface="Calibri"/>
               </a:rPr>
-              <a:t>4.1. Resumen</a:t>
+              <a:t>3.1. Caso de estudio: Automoción</a:t>
             </a:r>
             <a:endParaRPr sz="3000">
               <a:latin typeface="Calibri"/>
@@ -8490,7 +8457,7 @@
                 <a:cs typeface="Calibri"/>
                 <a:sym typeface="Calibri"/>
               </a:rPr>
-              <a:t>19 - 20</a:t>
+              <a:t>15 - 20</a:t>
             </a:r>
             <a:endParaRPr sz="2500" b="1">
               <a:solidFill>
@@ -8614,7 +8581,7 @@
                 <a:cs typeface="Calibri"/>
                 <a:sym typeface="Calibri"/>
               </a:rPr>
-              <a:t>4. Conclusión y Futuras Direcciones</a:t>
+              <a:t>3. Aplicaciones en la industria</a:t>
             </a:r>
             <a:endParaRPr sz="4000">
               <a:latin typeface="Calibri"/>
@@ -8631,7 +8598,7 @@
                 <a:cs typeface="Calibri"/>
                 <a:sym typeface="Calibri"/>
               </a:rPr>
-              <a:t>4.2. Próximos pasos</a:t>
+              <a:t>3.2. Caso de estudio: Energía</a:t>
             </a:r>
             <a:endParaRPr sz="3000">
               <a:latin typeface="Calibri"/>
@@ -8832,7 +8799,7 @@
                 <a:cs typeface="Calibri"/>
                 <a:sym typeface="Calibri"/>
               </a:rPr>
-              <a:t>20 - 20</a:t>
+              <a:t>16 - 20</a:t>
             </a:r>
             <a:endParaRPr sz="2500" b="1">
               <a:solidFill>
@@ -8854,7 +8821,7 @@
 </p:sld>
 </file>
 
-<file path=ppt/slides/slide3.xml><?xml version="1.0" encoding="utf-8"?>
+<file path=ppt/slides/slide23.xml><?xml version="1.0" encoding="utf-8"?>
 <p:sld xmlns:a="http://schemas.openxmlformats.org/drawingml/2006/main" xmlns:p="http://schemas.openxmlformats.org/presentationml/2006/main" xmlns:r="http://schemas.openxmlformats.org/officeDocument/2006/relationships">
   <p:cSld>
     <p:spTree>
@@ -8956,7 +8923,7 @@
                 <a:cs typeface="Calibri"/>
                 <a:sym typeface="Calibri"/>
               </a:rPr>
-              <a:t>1. Introducción al Tema</a:t>
+              <a:t>3. Aplicaciones en la industria</a:t>
             </a:r>
             <a:endParaRPr sz="4000">
               <a:latin typeface="Calibri"/>
@@ -8973,7 +8940,7 @@
                 <a:cs typeface="Calibri"/>
                 <a:sym typeface="Calibri"/>
               </a:rPr>
-              <a:t>1.1. Un breve resumen</a:t>
+              <a:t>3.3. Resumen</a:t>
             </a:r>
             <a:endParaRPr sz="3000">
               <a:latin typeface="Calibri"/>
@@ -9174,7 +9141,7 @@
                 <a:cs typeface="Calibri"/>
                 <a:sym typeface="Calibri"/>
               </a:rPr>
-              <a:t>01 - 20</a:t>
+              <a:t>17 - 20</a:t>
             </a:r>
             <a:endParaRPr sz="2500" b="1">
               <a:solidFill>
@@ -9196,7 +9163,7 @@
 </p:sld>
 </file>
 
-<file path=ppt/slides/slide4.xml><?xml version="1.0" encoding="utf-8"?>
+<file path=ppt/slides/slide24.xml><?xml version="1.0" encoding="utf-8"?>
 <p:sld xmlns:a="http://schemas.openxmlformats.org/drawingml/2006/main" xmlns:p="http://schemas.openxmlformats.org/presentationml/2006/main" xmlns:r="http://schemas.openxmlformats.org/officeDocument/2006/relationships">
   <p:cSld>
     <p:spTree>
@@ -9298,7 +9265,7 @@
                 <a:cs typeface="Calibri"/>
                 <a:sym typeface="Calibri"/>
               </a:rPr>
-              <a:t>1. Introducción al Tema</a:t>
+              <a:t>3. Aplicaciones en la industria</a:t>
             </a:r>
             <a:endParaRPr sz="4000">
               <a:latin typeface="Calibri"/>
@@ -9315,7 +9282,7 @@
                 <a:cs typeface="Calibri"/>
                 <a:sym typeface="Calibri"/>
               </a:rPr>
-              <a:t>1.2. Otro breve resumen</a:t>
+              <a:t>3.4. Próximos pasos</a:t>
             </a:r>
             <a:endParaRPr sz="3000">
               <a:latin typeface="Calibri"/>
@@ -9516,7 +9483,7 @@
                 <a:cs typeface="Calibri"/>
                 <a:sym typeface="Calibri"/>
               </a:rPr>
-              <a:t>02 - 20</a:t>
+              <a:t>18 - 20</a:t>
             </a:r>
             <a:endParaRPr sz="2500" b="1">
               <a:solidFill>
@@ -9527,6 +9494,1524 @@
               <a:cs typeface="Calibri"/>
               <a:sym typeface="Calibri"/>
             </a:endParaRPr>
+          </a:p>
+        </p:txBody>
+      </p:sp>
+    </p:spTree>
+  </p:cSld>
+  <p:clrMapOvr>
+    <a:masterClrMapping/>
+  </p:clrMapOvr>
+</p:sld>
+</file>
+
+<file path=ppt/slides/slide25.xml><?xml version="1.0" encoding="utf-8"?>
+<p:sld xmlns:a="http://schemas.openxmlformats.org/drawingml/2006/main" xmlns:p="http://schemas.openxmlformats.org/presentationml/2006/main" xmlns:r="http://schemas.openxmlformats.org/officeDocument/2006/relationships">
+  <p:cSld>
+    <p:spTree>
+      <p:nvGrpSpPr>
+        <p:cNvPr id="1" name=""/>
+        <p:cNvGrpSpPr/>
+        <p:nvPr/>
+      </p:nvGrpSpPr>
+      <p:grpSpPr/>
+      <p:sp>
+        <p:nvSpPr>
+          <p:cNvPr id="2" name="Google Shape;33;p6">
+            <a:extLst>
+              <a:ext uri="{FF2B5EF4-FFF2-40B4-BE49-F238E27FC236}">
+                <a16:creationId xmlns:a16="http://schemas.microsoft.com/office/drawing/2014/main" id="{24DE90CE-0690-B7F8-F0B8-C0FE92B976B2}"/>
+              </a:ext>
+            </a:extLst>
+          </p:cNvPr>
+          <p:cNvSpPr txBox="1"/>
+          <p:nvPr/>
+        </p:nvSpPr>
+        <p:spPr>
+          <a:xfrm>
+            <a:off x="-6047" y="0"/>
+            <a:ext cx="12202886" cy="374700"/>
+          </a:xfrm>
+          <a:prstGeom prst="rect">
+            <a:avLst/>
+          </a:prstGeom>
+          <a:solidFill>
+            <a:srgbClr val="A70C2F"/>
+          </a:solidFill>
+          <a:ln>
+            <a:noFill/>
+          </a:ln>
+        </p:spPr>
+        <p:txBody>
+          <a:bodyPr spcFirstLastPara="1" wrap="square" lIns="91425" tIns="45700" rIns="91425" bIns="45700" anchor="t" anchorCtr="0">
+            <a:noAutofit/>
+          </a:bodyPr>
+          <a:lstStyle/>
+          <a:p>
+            <a:pPr marL="0" marR="0" lvl="0" indent="0" algn="r" rtl="0">
+              <a:spcBef>
+                <a:spcPts val="0"/>
+              </a:spcBef>
+              <a:spcAft>
+                <a:spcPts val="0"/>
+              </a:spcAft>
+              <a:buNone/>
+            </a:pPr>
+            <a:endParaRPr sz="1200" b="0" i="0" u="none" strike="noStrike" cap="none">
+              <a:solidFill>
+                <a:srgbClr val="FFFFFF"/>
+              </a:solidFill>
+              <a:latin typeface="Calibri"/>
+              <a:ea typeface="Calibri"/>
+              <a:cs typeface="Calibri"/>
+              <a:sym typeface="Calibri"/>
+            </a:endParaRPr>
+          </a:p>
+        </p:txBody>
+      </p:sp>
+      <p:sp>
+        <p:nvSpPr>
+          <p:cNvPr id="3" name="Google Shape;57;p8">
+            <a:extLst>
+              <a:ext uri="{FF2B5EF4-FFF2-40B4-BE49-F238E27FC236}">
+                <a16:creationId xmlns:a16="http://schemas.microsoft.com/office/drawing/2014/main" id="{79D9D419-FA32-F614-A86C-603082D69211}"/>
+              </a:ext>
+            </a:extLst>
+          </p:cNvPr>
+          <p:cNvSpPr txBox="1"/>
+          <p:nvPr/>
+        </p:nvSpPr>
+        <p:spPr>
+          <a:xfrm>
+            <a:off x="352526" y="550203"/>
+            <a:ext cx="8360973" cy="800189"/>
+          </a:xfrm>
+          <a:prstGeom prst="rect">
+            <a:avLst/>
+          </a:prstGeom>
+          <a:noFill/>
+          <a:ln>
+            <a:noFill/>
+          </a:ln>
+        </p:spPr>
+        <p:txBody>
+          <a:bodyPr spcFirstLastPara="1" wrap="square" lIns="91425" tIns="91425" rIns="91425" bIns="91425" anchor="t" anchorCtr="0">
+            <a:spAutoFit/>
+          </a:bodyPr>
+          <a:lstStyle/>
+          <a:p>
+            <a:r>
+              <a:rPr lang="es-ES" sz="4000">
+                <a:latin typeface="Calibri"/>
+                <a:ea typeface="Calibri"/>
+                <a:cs typeface="Calibri"/>
+                <a:sym typeface="Calibri"/>
+              </a:rPr>
+              <a:t>Roadmap</a:t>
+            </a:r>
+            <a:endParaRPr sz="3000">
+              <a:latin typeface="Calibri"/>
+              <a:ea typeface="Calibri"/>
+              <a:cs typeface="Calibri"/>
+              <a:sym typeface="Calibri"/>
+            </a:endParaRPr>
+          </a:p>
+        </p:txBody>
+      </p:sp>
+      <p:sp>
+        <p:nvSpPr>
+          <p:cNvPr id="4" name="Google Shape;33;p6">
+            <a:extLst>
+              <a:ext uri="{FF2B5EF4-FFF2-40B4-BE49-F238E27FC236}">
+                <a16:creationId xmlns:a16="http://schemas.microsoft.com/office/drawing/2014/main" id="{A260BA3F-2BE9-B50F-1553-D3F1D7D2F72A}"/>
+              </a:ext>
+            </a:extLst>
+          </p:cNvPr>
+          <p:cNvSpPr txBox="1"/>
+          <p:nvPr/>
+        </p:nvSpPr>
+        <p:spPr>
+          <a:xfrm>
+            <a:off x="-11490" y="6529100"/>
+            <a:ext cx="12202886" cy="343910"/>
+          </a:xfrm>
+          <a:prstGeom prst="rect">
+            <a:avLst/>
+          </a:prstGeom>
+          <a:solidFill>
+            <a:srgbClr val="A70C2F"/>
+          </a:solidFill>
+          <a:ln>
+            <a:noFill/>
+          </a:ln>
+        </p:spPr>
+        <p:txBody>
+          <a:bodyPr spcFirstLastPara="1" wrap="square" lIns="91425" tIns="45700" rIns="91425" bIns="45700" anchor="t" anchorCtr="0">
+            <a:noAutofit/>
+          </a:bodyPr>
+          <a:lstStyle/>
+          <a:p>
+            <a:pPr marL="0" marR="0" lvl="0" indent="0" algn="r" rtl="0">
+              <a:spcBef>
+                <a:spcPts val="0"/>
+              </a:spcBef>
+              <a:spcAft>
+                <a:spcPts val="0"/>
+              </a:spcAft>
+              <a:buNone/>
+            </a:pPr>
+            <a:endParaRPr sz="1200" b="0" i="0" u="none" strike="noStrike" cap="none">
+              <a:solidFill>
+                <a:srgbClr val="FFFFFF"/>
+              </a:solidFill>
+              <a:latin typeface="Calibri"/>
+              <a:ea typeface="Calibri"/>
+              <a:cs typeface="Calibri"/>
+              <a:sym typeface="Calibri"/>
+            </a:endParaRPr>
+          </a:p>
+        </p:txBody>
+      </p:sp>
+      <p:sp>
+        <p:nvSpPr>
+          <p:cNvPr id="5" name="CuadroTexto 4">
+            <a:extLst>
+              <a:ext uri="{FF2B5EF4-FFF2-40B4-BE49-F238E27FC236}">
+                <a16:creationId xmlns:a16="http://schemas.microsoft.com/office/drawing/2014/main" id="{E64F10A5-716D-E4C5-BBC7-3751C9793D21}"/>
+              </a:ext>
+            </a:extLst>
+          </p:cNvPr>
+          <p:cNvSpPr txBox="1"/>
+          <p:nvPr/>
+        </p:nvSpPr>
+        <p:spPr>
+          <a:xfrm>
+            <a:off x="302015" y="6521816"/>
+            <a:ext cx="9385014" cy="338554"/>
+          </a:xfrm>
+          <a:prstGeom prst="rect">
+            <a:avLst/>
+          </a:prstGeom>
+          <a:noFill/>
+        </p:spPr>
+        <p:txBody>
+          <a:bodyPr wrap="square">
+            <a:spAutoFit/>
+          </a:bodyPr>
+          <a:lstStyle/>
+          <a:p>
+            <a:r>
+              <a:rPr lang="es-ES" sz="1600">
+                <a:solidFill>
+                  <a:schemeClr val="bg1"/>
+                </a:solidFill>
+                <a:latin typeface="Calibri" panose="020F0502020204030204" pitchFamily="34" charset="0"/>
+                <a:ea typeface="Calibri" panose="020F0502020204030204" pitchFamily="34" charset="0"/>
+                <a:cs typeface="Calibri" panose="020F0502020204030204" pitchFamily="34" charset="0"/>
+              </a:rPr>
+              <a:t>Transformo: a tool for data transformation using SPL techniques (tool)</a:t>
+            </a:r>
+          </a:p>
+        </p:txBody>
+      </p:sp>
+      <p:sp>
+        <p:nvSpPr>
+          <p:cNvPr id="8" name="Google Shape;57;p8">
+            <a:extLst>
+              <a:ext uri="{FF2B5EF4-FFF2-40B4-BE49-F238E27FC236}">
+                <a16:creationId xmlns:a16="http://schemas.microsoft.com/office/drawing/2014/main" id="{A80284A9-9FAA-7144-39C9-5E8025C178D5}"/>
+              </a:ext>
+            </a:extLst>
+          </p:cNvPr>
+          <p:cNvSpPr txBox="1"/>
+          <p:nvPr/>
+        </p:nvSpPr>
+        <p:spPr>
+          <a:xfrm>
+            <a:off x="1055688" y="1420604"/>
+            <a:ext cx="8360973" cy="646300"/>
+          </a:xfrm>
+          <a:prstGeom prst="rect">
+            <a:avLst/>
+          </a:prstGeom>
+          <a:noFill/>
+          <a:ln>
+            <a:noFill/>
+          </a:ln>
+        </p:spPr>
+        <p:txBody>
+          <a:bodyPr spcFirstLastPara="1" wrap="square" lIns="91425" tIns="91425" rIns="91425" bIns="91425" anchor="t" anchorCtr="0">
+            <a:spAutoFit/>
+          </a:bodyPr>
+          <a:lstStyle/>
+          <a:p>
+            <a:r>
+              <a:rPr b="0" sz="3000">
+                <a:latin typeface="Calibri"/>
+              </a:rPr>
+              <a:t>1. Introducción al Tema</a:t>
+            </a:r>
+          </a:p>
+          <a:p>
+            <a:r>
+              <a:rPr b="0" sz="3000">
+                <a:latin typeface="Calibri"/>
+              </a:rPr>
+              <a:t>2. Fundamentos de Transformo</a:t>
+            </a:r>
+          </a:p>
+          <a:p>
+            <a:r>
+              <a:rPr b="0" sz="3000">
+                <a:latin typeface="Calibri"/>
+              </a:rPr>
+              <a:t>3. Aplicaciones en la industria</a:t>
+            </a:r>
+          </a:p>
+          <a:p>
+            <a:r>
+              <a:rPr b="1" sz="3000">
+                <a:latin typeface="Calibri"/>
+              </a:rPr>
+              <a:t>4. Conclusión y Futuras Direcciones</a:t>
+            </a:r>
+          </a:p>
+        </p:txBody>
+      </p:sp>
+    </p:spTree>
+  </p:cSld>
+  <p:clrMapOvr>
+    <a:masterClrMapping/>
+  </p:clrMapOvr>
+</p:sld>
+</file>
+
+<file path=ppt/slides/slide26.xml><?xml version="1.0" encoding="utf-8"?>
+<p:sld xmlns:a="http://schemas.openxmlformats.org/drawingml/2006/main" xmlns:p="http://schemas.openxmlformats.org/presentationml/2006/main" xmlns:r="http://schemas.openxmlformats.org/officeDocument/2006/relationships">
+  <p:cSld>
+    <p:spTree>
+      <p:nvGrpSpPr>
+        <p:cNvPr id="1" name=""/>
+        <p:cNvGrpSpPr/>
+        <p:nvPr/>
+      </p:nvGrpSpPr>
+      <p:grpSpPr/>
+      <p:sp>
+        <p:nvSpPr>
+          <p:cNvPr id="2" name="Google Shape;33;p6">
+            <a:extLst>
+              <a:ext uri="{FF2B5EF4-FFF2-40B4-BE49-F238E27FC236}">
+                <a16:creationId xmlns:a16="http://schemas.microsoft.com/office/drawing/2014/main" id="{24DE90CE-0690-B7F8-F0B8-C0FE92B976B2}"/>
+              </a:ext>
+            </a:extLst>
+          </p:cNvPr>
+          <p:cNvSpPr txBox="1"/>
+          <p:nvPr/>
+        </p:nvSpPr>
+        <p:spPr>
+          <a:xfrm>
+            <a:off x="-6047" y="0"/>
+            <a:ext cx="12202886" cy="374700"/>
+          </a:xfrm>
+          <a:prstGeom prst="rect">
+            <a:avLst/>
+          </a:prstGeom>
+          <a:solidFill>
+            <a:srgbClr val="A70C2F"/>
+          </a:solidFill>
+          <a:ln>
+            <a:noFill/>
+          </a:ln>
+        </p:spPr>
+        <p:txBody>
+          <a:bodyPr spcFirstLastPara="1" wrap="square" lIns="91425" tIns="45700" rIns="91425" bIns="45700" anchor="t" anchorCtr="0">
+            <a:noAutofit/>
+          </a:bodyPr>
+          <a:lstStyle/>
+          <a:p>
+            <a:pPr marL="0" marR="0" lvl="0" indent="0" algn="r" rtl="0">
+              <a:spcBef>
+                <a:spcPts val="0"/>
+              </a:spcBef>
+              <a:spcAft>
+                <a:spcPts val="0"/>
+              </a:spcAft>
+              <a:buNone/>
+            </a:pPr>
+            <a:endParaRPr sz="1200" b="0" i="0" u="none" strike="noStrike" cap="none">
+              <a:solidFill>
+                <a:srgbClr val="FFFFFF"/>
+              </a:solidFill>
+              <a:latin typeface="Calibri"/>
+              <a:ea typeface="Calibri"/>
+              <a:cs typeface="Calibri"/>
+              <a:sym typeface="Calibri"/>
+            </a:endParaRPr>
+          </a:p>
+        </p:txBody>
+      </p:sp>
+      <p:sp>
+        <p:nvSpPr>
+          <p:cNvPr id="3" name="Google Shape;57;p8">
+            <a:extLst>
+              <a:ext uri="{FF2B5EF4-FFF2-40B4-BE49-F238E27FC236}">
+                <a16:creationId xmlns:a16="http://schemas.microsoft.com/office/drawing/2014/main" id="{79D9D419-FA32-F614-A86C-603082D69211}"/>
+              </a:ext>
+            </a:extLst>
+          </p:cNvPr>
+          <p:cNvSpPr txBox="1"/>
+          <p:nvPr/>
+        </p:nvSpPr>
+        <p:spPr>
+          <a:xfrm>
+            <a:off x="352526" y="550203"/>
+            <a:ext cx="8360973" cy="1262100"/>
+          </a:xfrm>
+          <a:prstGeom prst="rect">
+            <a:avLst/>
+          </a:prstGeom>
+          <a:noFill/>
+          <a:ln>
+            <a:noFill/>
+          </a:ln>
+        </p:spPr>
+        <p:txBody>
+          <a:bodyPr spcFirstLastPara="1" wrap="square" lIns="91425" tIns="91425" rIns="91425" bIns="91425" anchor="t" anchorCtr="0">
+            <a:spAutoFit/>
+          </a:bodyPr>
+          <a:lstStyle/>
+          <a:p>
+            <a:r>
+              <a:rPr lang="es-ES" sz="4000">
+                <a:latin typeface="Calibri"/>
+                <a:ea typeface="Calibri"/>
+                <a:cs typeface="Calibri"/>
+                <a:sym typeface="Calibri"/>
+              </a:rPr>
+              <a:t>4. Conclusión y Futuras Direcciones</a:t>
+            </a:r>
+            <a:endParaRPr sz="4000">
+              <a:latin typeface="Calibri"/>
+              <a:ea typeface="Calibri"/>
+              <a:cs typeface="Calibri"/>
+              <a:sym typeface="Calibri"/>
+            </a:endParaRPr>
+          </a:p>
+          <a:p>
+            <a:r>
+              <a:rPr lang="es-ES" sz="3000">
+                <a:latin typeface="Calibri"/>
+                <a:ea typeface="Calibri"/>
+                <a:cs typeface="Calibri"/>
+                <a:sym typeface="Calibri"/>
+              </a:rPr>
+              <a:t>4.1. Resumen</a:t>
+            </a:r>
+            <a:endParaRPr sz="3000">
+              <a:latin typeface="Calibri"/>
+              <a:ea typeface="Calibri"/>
+              <a:cs typeface="Calibri"/>
+              <a:sym typeface="Calibri"/>
+            </a:endParaRPr>
+          </a:p>
+        </p:txBody>
+      </p:sp>
+      <p:sp>
+        <p:nvSpPr>
+          <p:cNvPr id="4" name="Google Shape;33;p6">
+            <a:extLst>
+              <a:ext uri="{FF2B5EF4-FFF2-40B4-BE49-F238E27FC236}">
+                <a16:creationId xmlns:a16="http://schemas.microsoft.com/office/drawing/2014/main" id="{A260BA3F-2BE9-B50F-1553-D3F1D7D2F72A}"/>
+              </a:ext>
+            </a:extLst>
+          </p:cNvPr>
+          <p:cNvSpPr txBox="1"/>
+          <p:nvPr/>
+        </p:nvSpPr>
+        <p:spPr>
+          <a:xfrm>
+            <a:off x="-11490" y="6529100"/>
+            <a:ext cx="11348500" cy="343910"/>
+          </a:xfrm>
+          <a:prstGeom prst="rect">
+            <a:avLst/>
+          </a:prstGeom>
+          <a:solidFill>
+            <a:srgbClr val="A70C2F"/>
+          </a:solidFill>
+          <a:ln>
+            <a:noFill/>
+          </a:ln>
+        </p:spPr>
+        <p:txBody>
+          <a:bodyPr spcFirstLastPara="1" wrap="square" lIns="91425" tIns="45700" rIns="91425" bIns="45700" anchor="t" anchorCtr="0">
+            <a:noAutofit/>
+          </a:bodyPr>
+          <a:lstStyle/>
+          <a:p>
+            <a:pPr marL="0" marR="0" lvl="0" indent="0" algn="r" rtl="0">
+              <a:spcBef>
+                <a:spcPts val="0"/>
+              </a:spcBef>
+              <a:spcAft>
+                <a:spcPts val="0"/>
+              </a:spcAft>
+              <a:buNone/>
+            </a:pPr>
+            <a:endParaRPr sz="1200" b="0" i="0" u="none" strike="noStrike" cap="none">
+              <a:solidFill>
+                <a:srgbClr val="FFFFFF"/>
+              </a:solidFill>
+              <a:latin typeface="Calibri"/>
+              <a:ea typeface="Calibri"/>
+              <a:cs typeface="Calibri"/>
+              <a:sym typeface="Calibri"/>
+            </a:endParaRPr>
+          </a:p>
+        </p:txBody>
+      </p:sp>
+      <p:sp>
+        <p:nvSpPr>
+          <p:cNvPr id="6" name="Elipse 5">
+            <a:extLst>
+              <a:ext uri="{FF2B5EF4-FFF2-40B4-BE49-F238E27FC236}">
+                <a16:creationId xmlns:a16="http://schemas.microsoft.com/office/drawing/2014/main" id="{A21EC5A5-23EA-60FD-46B7-7FAD7834D26E}"/>
+              </a:ext>
+            </a:extLst>
+          </p:cNvPr>
+          <p:cNvSpPr/>
+          <p:nvPr/>
+        </p:nvSpPr>
+        <p:spPr>
+          <a:xfrm>
+            <a:off x="10852690" y="5972624"/>
+            <a:ext cx="1413790" cy="1263153"/>
+          </a:xfrm>
+          <a:prstGeom prst="ellipse">
+            <a:avLst/>
+          </a:prstGeom>
+          <a:solidFill>
+            <a:srgbClr val="A80C30"/>
+          </a:solidFill>
+          <a:ln>
+            <a:noFill/>
+          </a:ln>
+        </p:spPr>
+        <p:style>
+          <a:lnRef idx="2">
+            <a:schemeClr val="accent1">
+              <a:shade val="50000"/>
+            </a:schemeClr>
+          </a:lnRef>
+          <a:fillRef idx="1">
+            <a:schemeClr val="accent1"/>
+          </a:fillRef>
+          <a:effectRef idx="0">
+            <a:schemeClr val="accent1"/>
+          </a:effectRef>
+          <a:fontRef idx="minor">
+            <a:schemeClr val="lt1"/>
+          </a:fontRef>
+        </p:style>
+        <p:txBody>
+          <a:bodyPr rtlCol="0" anchor="ctr"/>
+          <a:lstStyle/>
+          <a:p>
+            <a:pPr algn="ctr"/>
+            <a:endParaRPr lang="es-ES"/>
+          </a:p>
+        </p:txBody>
+      </p:sp>
+      <p:sp>
+        <p:nvSpPr>
+          <p:cNvPr id="5" name="CuadroTexto 4">
+            <a:extLst>
+              <a:ext uri="{FF2B5EF4-FFF2-40B4-BE49-F238E27FC236}">
+                <a16:creationId xmlns:a16="http://schemas.microsoft.com/office/drawing/2014/main" id="{E64F10A5-716D-E4C5-BBC7-3751C9793D21}"/>
+              </a:ext>
+            </a:extLst>
+          </p:cNvPr>
+          <p:cNvSpPr txBox="1"/>
+          <p:nvPr/>
+        </p:nvSpPr>
+        <p:spPr>
+          <a:xfrm>
+            <a:off x="302015" y="6521816"/>
+            <a:ext cx="9385014" cy="338554"/>
+          </a:xfrm>
+          <a:prstGeom prst="rect">
+            <a:avLst/>
+          </a:prstGeom>
+          <a:noFill/>
+        </p:spPr>
+        <p:txBody>
+          <a:bodyPr wrap="square">
+            <a:spAutoFit/>
+          </a:bodyPr>
+          <a:lstStyle/>
+          <a:p>
+            <a:r>
+              <a:rPr lang="es-ES" sz="1600">
+                <a:solidFill>
+                  <a:schemeClr val="bg1"/>
+                </a:solidFill>
+                <a:latin typeface="Calibri" panose="020F0502020204030204" pitchFamily="34" charset="0"/>
+                <a:ea typeface="Calibri" panose="020F0502020204030204" pitchFamily="34" charset="0"/>
+                <a:cs typeface="Calibri" panose="020F0502020204030204" pitchFamily="34" charset="0"/>
+              </a:rPr>
+              <a:t>Transformo: a tool for data transformation using SPL techniques (tool)</a:t>
+            </a:r>
+          </a:p>
+        </p:txBody>
+      </p:sp>
+      <p:sp>
+        <p:nvSpPr>
+          <p:cNvPr id="7" name="Google Shape;170;p17">
+            <a:extLst>
+              <a:ext uri="{FF2B5EF4-FFF2-40B4-BE49-F238E27FC236}">
+                <a16:creationId xmlns:a16="http://schemas.microsoft.com/office/drawing/2014/main" id="{27080597-2E99-61C9-2277-0BE143507FA1}"/>
+              </a:ext>
+            </a:extLst>
+          </p:cNvPr>
+          <p:cNvSpPr txBox="1"/>
+          <p:nvPr/>
+        </p:nvSpPr>
+        <p:spPr>
+          <a:xfrm>
+            <a:off x="10927171" y="6263662"/>
+            <a:ext cx="1264829" cy="954077"/>
+          </a:xfrm>
+          <a:prstGeom prst="rect">
+            <a:avLst/>
+          </a:prstGeom>
+          <a:noFill/>
+          <a:ln>
+            <a:noFill/>
+          </a:ln>
+        </p:spPr>
+        <p:txBody>
+          <a:bodyPr spcFirstLastPara="1" wrap="square" lIns="91425" tIns="91425" rIns="91425" bIns="91425" anchor="t" anchorCtr="0">
+            <a:spAutoFit/>
+          </a:bodyPr>
+          <a:lstStyle/>
+          <a:p>
+            <a:pPr algn="ctr"/>
+            <a:r>
+              <a:rPr lang="es-ES" sz="2500" b="1">
+                <a:solidFill>
+                  <a:srgbClr val="F3F3F3"/>
+                </a:solidFill>
+                <a:latin typeface="Calibri"/>
+                <a:ea typeface="Calibri"/>
+                <a:cs typeface="Calibri"/>
+                <a:sym typeface="Calibri"/>
+              </a:rPr>
+              <a:t>19 - 20</a:t>
+            </a:r>
+            <a:endParaRPr sz="2500" b="1">
+              <a:solidFill>
+                <a:srgbClr val="F3F3F3"/>
+              </a:solidFill>
+              <a:latin typeface="Calibri"/>
+              <a:ea typeface="Calibri"/>
+              <a:cs typeface="Calibri"/>
+              <a:sym typeface="Calibri"/>
+            </a:endParaRPr>
+          </a:p>
+        </p:txBody>
+      </p:sp>
+    </p:spTree>
+  </p:cSld>
+  <p:clrMapOvr>
+    <a:masterClrMapping/>
+  </p:clrMapOvr>
+</p:sld>
+</file>
+
+<file path=ppt/slides/slide27.xml><?xml version="1.0" encoding="utf-8"?>
+<p:sld xmlns:a="http://schemas.openxmlformats.org/drawingml/2006/main" xmlns:p="http://schemas.openxmlformats.org/presentationml/2006/main" xmlns:r="http://schemas.openxmlformats.org/officeDocument/2006/relationships">
+  <p:cSld>
+    <p:spTree>
+      <p:nvGrpSpPr>
+        <p:cNvPr id="1" name=""/>
+        <p:cNvGrpSpPr/>
+        <p:nvPr/>
+      </p:nvGrpSpPr>
+      <p:grpSpPr/>
+      <p:sp>
+        <p:nvSpPr>
+          <p:cNvPr id="2" name="Google Shape;33;p6">
+            <a:extLst>
+              <a:ext uri="{FF2B5EF4-FFF2-40B4-BE49-F238E27FC236}">
+                <a16:creationId xmlns:a16="http://schemas.microsoft.com/office/drawing/2014/main" id="{24DE90CE-0690-B7F8-F0B8-C0FE92B976B2}"/>
+              </a:ext>
+            </a:extLst>
+          </p:cNvPr>
+          <p:cNvSpPr txBox="1"/>
+          <p:nvPr/>
+        </p:nvSpPr>
+        <p:spPr>
+          <a:xfrm>
+            <a:off x="-6047" y="0"/>
+            <a:ext cx="12202886" cy="374700"/>
+          </a:xfrm>
+          <a:prstGeom prst="rect">
+            <a:avLst/>
+          </a:prstGeom>
+          <a:solidFill>
+            <a:srgbClr val="A70C2F"/>
+          </a:solidFill>
+          <a:ln>
+            <a:noFill/>
+          </a:ln>
+        </p:spPr>
+        <p:txBody>
+          <a:bodyPr spcFirstLastPara="1" wrap="square" lIns="91425" tIns="45700" rIns="91425" bIns="45700" anchor="t" anchorCtr="0">
+            <a:noAutofit/>
+          </a:bodyPr>
+          <a:lstStyle/>
+          <a:p>
+            <a:pPr marL="0" marR="0" lvl="0" indent="0" algn="r" rtl="0">
+              <a:spcBef>
+                <a:spcPts val="0"/>
+              </a:spcBef>
+              <a:spcAft>
+                <a:spcPts val="0"/>
+              </a:spcAft>
+              <a:buNone/>
+            </a:pPr>
+            <a:endParaRPr sz="1200" b="0" i="0" u="none" strike="noStrike" cap="none">
+              <a:solidFill>
+                <a:srgbClr val="FFFFFF"/>
+              </a:solidFill>
+              <a:latin typeface="Calibri"/>
+              <a:ea typeface="Calibri"/>
+              <a:cs typeface="Calibri"/>
+              <a:sym typeface="Calibri"/>
+            </a:endParaRPr>
+          </a:p>
+        </p:txBody>
+      </p:sp>
+      <p:sp>
+        <p:nvSpPr>
+          <p:cNvPr id="3" name="Google Shape;57;p8">
+            <a:extLst>
+              <a:ext uri="{FF2B5EF4-FFF2-40B4-BE49-F238E27FC236}">
+                <a16:creationId xmlns:a16="http://schemas.microsoft.com/office/drawing/2014/main" id="{79D9D419-FA32-F614-A86C-603082D69211}"/>
+              </a:ext>
+            </a:extLst>
+          </p:cNvPr>
+          <p:cNvSpPr txBox="1"/>
+          <p:nvPr/>
+        </p:nvSpPr>
+        <p:spPr>
+          <a:xfrm>
+            <a:off x="352526" y="550203"/>
+            <a:ext cx="8360973" cy="1262100"/>
+          </a:xfrm>
+          <a:prstGeom prst="rect">
+            <a:avLst/>
+          </a:prstGeom>
+          <a:noFill/>
+          <a:ln>
+            <a:noFill/>
+          </a:ln>
+        </p:spPr>
+        <p:txBody>
+          <a:bodyPr spcFirstLastPara="1" wrap="square" lIns="91425" tIns="91425" rIns="91425" bIns="91425" anchor="t" anchorCtr="0">
+            <a:spAutoFit/>
+          </a:bodyPr>
+          <a:lstStyle/>
+          <a:p>
+            <a:r>
+              <a:rPr lang="es-ES" sz="4000">
+                <a:latin typeface="Calibri"/>
+                <a:ea typeface="Calibri"/>
+                <a:cs typeface="Calibri"/>
+                <a:sym typeface="Calibri"/>
+              </a:rPr>
+              <a:t>4. Conclusión y Futuras Direcciones</a:t>
+            </a:r>
+            <a:endParaRPr sz="4000">
+              <a:latin typeface="Calibri"/>
+              <a:ea typeface="Calibri"/>
+              <a:cs typeface="Calibri"/>
+              <a:sym typeface="Calibri"/>
+            </a:endParaRPr>
+          </a:p>
+          <a:p>
+            <a:r>
+              <a:rPr lang="es-ES" sz="3000">
+                <a:latin typeface="Calibri"/>
+                <a:ea typeface="Calibri"/>
+                <a:cs typeface="Calibri"/>
+                <a:sym typeface="Calibri"/>
+              </a:rPr>
+              <a:t>4.2. Próximos pasos</a:t>
+            </a:r>
+            <a:endParaRPr sz="3000">
+              <a:latin typeface="Calibri"/>
+              <a:ea typeface="Calibri"/>
+              <a:cs typeface="Calibri"/>
+              <a:sym typeface="Calibri"/>
+            </a:endParaRPr>
+          </a:p>
+        </p:txBody>
+      </p:sp>
+      <p:sp>
+        <p:nvSpPr>
+          <p:cNvPr id="4" name="Google Shape;33;p6">
+            <a:extLst>
+              <a:ext uri="{FF2B5EF4-FFF2-40B4-BE49-F238E27FC236}">
+                <a16:creationId xmlns:a16="http://schemas.microsoft.com/office/drawing/2014/main" id="{A260BA3F-2BE9-B50F-1553-D3F1D7D2F72A}"/>
+              </a:ext>
+            </a:extLst>
+          </p:cNvPr>
+          <p:cNvSpPr txBox="1"/>
+          <p:nvPr/>
+        </p:nvSpPr>
+        <p:spPr>
+          <a:xfrm>
+            <a:off x="-11490" y="6529100"/>
+            <a:ext cx="11348500" cy="343910"/>
+          </a:xfrm>
+          <a:prstGeom prst="rect">
+            <a:avLst/>
+          </a:prstGeom>
+          <a:solidFill>
+            <a:srgbClr val="A70C2F"/>
+          </a:solidFill>
+          <a:ln>
+            <a:noFill/>
+          </a:ln>
+        </p:spPr>
+        <p:txBody>
+          <a:bodyPr spcFirstLastPara="1" wrap="square" lIns="91425" tIns="45700" rIns="91425" bIns="45700" anchor="t" anchorCtr="0">
+            <a:noAutofit/>
+          </a:bodyPr>
+          <a:lstStyle/>
+          <a:p>
+            <a:pPr marL="0" marR="0" lvl="0" indent="0" algn="r" rtl="0">
+              <a:spcBef>
+                <a:spcPts val="0"/>
+              </a:spcBef>
+              <a:spcAft>
+                <a:spcPts val="0"/>
+              </a:spcAft>
+              <a:buNone/>
+            </a:pPr>
+            <a:endParaRPr sz="1200" b="0" i="0" u="none" strike="noStrike" cap="none">
+              <a:solidFill>
+                <a:srgbClr val="FFFFFF"/>
+              </a:solidFill>
+              <a:latin typeface="Calibri"/>
+              <a:ea typeface="Calibri"/>
+              <a:cs typeface="Calibri"/>
+              <a:sym typeface="Calibri"/>
+            </a:endParaRPr>
+          </a:p>
+        </p:txBody>
+      </p:sp>
+      <p:sp>
+        <p:nvSpPr>
+          <p:cNvPr id="6" name="Elipse 5">
+            <a:extLst>
+              <a:ext uri="{FF2B5EF4-FFF2-40B4-BE49-F238E27FC236}">
+                <a16:creationId xmlns:a16="http://schemas.microsoft.com/office/drawing/2014/main" id="{A21EC5A5-23EA-60FD-46B7-7FAD7834D26E}"/>
+              </a:ext>
+            </a:extLst>
+          </p:cNvPr>
+          <p:cNvSpPr/>
+          <p:nvPr/>
+        </p:nvSpPr>
+        <p:spPr>
+          <a:xfrm>
+            <a:off x="10852690" y="5972624"/>
+            <a:ext cx="1413790" cy="1263153"/>
+          </a:xfrm>
+          <a:prstGeom prst="ellipse">
+            <a:avLst/>
+          </a:prstGeom>
+          <a:solidFill>
+            <a:srgbClr val="A80C30"/>
+          </a:solidFill>
+          <a:ln>
+            <a:noFill/>
+          </a:ln>
+        </p:spPr>
+        <p:style>
+          <a:lnRef idx="2">
+            <a:schemeClr val="accent1">
+              <a:shade val="50000"/>
+            </a:schemeClr>
+          </a:lnRef>
+          <a:fillRef idx="1">
+            <a:schemeClr val="accent1"/>
+          </a:fillRef>
+          <a:effectRef idx="0">
+            <a:schemeClr val="accent1"/>
+          </a:effectRef>
+          <a:fontRef idx="minor">
+            <a:schemeClr val="lt1"/>
+          </a:fontRef>
+        </p:style>
+        <p:txBody>
+          <a:bodyPr rtlCol="0" anchor="ctr"/>
+          <a:lstStyle/>
+          <a:p>
+            <a:pPr algn="ctr"/>
+            <a:endParaRPr lang="es-ES"/>
+          </a:p>
+        </p:txBody>
+      </p:sp>
+      <p:sp>
+        <p:nvSpPr>
+          <p:cNvPr id="5" name="CuadroTexto 4">
+            <a:extLst>
+              <a:ext uri="{FF2B5EF4-FFF2-40B4-BE49-F238E27FC236}">
+                <a16:creationId xmlns:a16="http://schemas.microsoft.com/office/drawing/2014/main" id="{E64F10A5-716D-E4C5-BBC7-3751C9793D21}"/>
+              </a:ext>
+            </a:extLst>
+          </p:cNvPr>
+          <p:cNvSpPr txBox="1"/>
+          <p:nvPr/>
+        </p:nvSpPr>
+        <p:spPr>
+          <a:xfrm>
+            <a:off x="302015" y="6521816"/>
+            <a:ext cx="9385014" cy="338554"/>
+          </a:xfrm>
+          <a:prstGeom prst="rect">
+            <a:avLst/>
+          </a:prstGeom>
+          <a:noFill/>
+        </p:spPr>
+        <p:txBody>
+          <a:bodyPr wrap="square">
+            <a:spAutoFit/>
+          </a:bodyPr>
+          <a:lstStyle/>
+          <a:p>
+            <a:r>
+              <a:rPr lang="es-ES" sz="1600">
+                <a:solidFill>
+                  <a:schemeClr val="bg1"/>
+                </a:solidFill>
+                <a:latin typeface="Calibri" panose="020F0502020204030204" pitchFamily="34" charset="0"/>
+                <a:ea typeface="Calibri" panose="020F0502020204030204" pitchFamily="34" charset="0"/>
+                <a:cs typeface="Calibri" panose="020F0502020204030204" pitchFamily="34" charset="0"/>
+              </a:rPr>
+              <a:t>Transformo: a tool for data transformation using SPL techniques (tool)</a:t>
+            </a:r>
+          </a:p>
+        </p:txBody>
+      </p:sp>
+      <p:sp>
+        <p:nvSpPr>
+          <p:cNvPr id="7" name="Google Shape;170;p17">
+            <a:extLst>
+              <a:ext uri="{FF2B5EF4-FFF2-40B4-BE49-F238E27FC236}">
+                <a16:creationId xmlns:a16="http://schemas.microsoft.com/office/drawing/2014/main" id="{27080597-2E99-61C9-2277-0BE143507FA1}"/>
+              </a:ext>
+            </a:extLst>
+          </p:cNvPr>
+          <p:cNvSpPr txBox="1"/>
+          <p:nvPr/>
+        </p:nvSpPr>
+        <p:spPr>
+          <a:xfrm>
+            <a:off x="10927171" y="6263662"/>
+            <a:ext cx="1264829" cy="954077"/>
+          </a:xfrm>
+          <a:prstGeom prst="rect">
+            <a:avLst/>
+          </a:prstGeom>
+          <a:noFill/>
+          <a:ln>
+            <a:noFill/>
+          </a:ln>
+        </p:spPr>
+        <p:txBody>
+          <a:bodyPr spcFirstLastPara="1" wrap="square" lIns="91425" tIns="91425" rIns="91425" bIns="91425" anchor="t" anchorCtr="0">
+            <a:spAutoFit/>
+          </a:bodyPr>
+          <a:lstStyle/>
+          <a:p>
+            <a:pPr algn="ctr"/>
+            <a:r>
+              <a:rPr lang="es-ES" sz="2500" b="1">
+                <a:solidFill>
+                  <a:srgbClr val="F3F3F3"/>
+                </a:solidFill>
+                <a:latin typeface="Calibri"/>
+                <a:ea typeface="Calibri"/>
+                <a:cs typeface="Calibri"/>
+                <a:sym typeface="Calibri"/>
+              </a:rPr>
+              <a:t>20 - 20</a:t>
+            </a:r>
+            <a:endParaRPr sz="2500" b="1">
+              <a:solidFill>
+                <a:srgbClr val="F3F3F3"/>
+              </a:solidFill>
+              <a:latin typeface="Calibri"/>
+              <a:ea typeface="Calibri"/>
+              <a:cs typeface="Calibri"/>
+              <a:sym typeface="Calibri"/>
+            </a:endParaRPr>
+          </a:p>
+        </p:txBody>
+      </p:sp>
+    </p:spTree>
+  </p:cSld>
+  <p:clrMapOvr>
+    <a:masterClrMapping/>
+  </p:clrMapOvr>
+</p:sld>
+</file>
+
+<file path=ppt/slides/slide3.xml><?xml version="1.0" encoding="utf-8"?>
+<p:sld xmlns:a="http://schemas.openxmlformats.org/drawingml/2006/main" xmlns:r="http://schemas.openxmlformats.org/officeDocument/2006/relationships" xmlns:p="http://schemas.openxmlformats.org/presentationml/2006/main">
+  <p:cSld>
+    <p:spTree>
+      <p:nvGrpSpPr>
+        <p:cNvPr id="1" name=""/>
+        <p:cNvGrpSpPr/>
+        <p:nvPr/>
+      </p:nvGrpSpPr>
+      <p:grpSpPr>
+        <a:xfrm>
+          <a:off x="0" y="0"/>
+          <a:ext cx="0" cy="0"/>
+          <a:chOff x="0" y="0"/>
+          <a:chExt cx="0" cy="0"/>
+        </a:xfrm>
+      </p:grpSpPr>
+      <p:sp>
+        <p:nvSpPr>
+          <p:cNvPr id="2" name="Google Shape;33;p6">
+            <a:extLst>
+              <a:ext uri="{FF2B5EF4-FFF2-40B4-BE49-F238E27FC236}">
+                <a16:creationId xmlns:a16="http://schemas.microsoft.com/office/drawing/2014/main" id="{24DE90CE-0690-B7F8-F0B8-C0FE92B976B2}"/>
+              </a:ext>
+            </a:extLst>
+          </p:cNvPr>
+          <p:cNvSpPr txBox="1"/>
+          <p:nvPr/>
+        </p:nvSpPr>
+        <p:spPr>
+          <a:xfrm>
+            <a:off x="-6047" y="0"/>
+            <a:ext cx="12202886" cy="374700"/>
+          </a:xfrm>
+          <a:prstGeom prst="rect">
+            <a:avLst/>
+          </a:prstGeom>
+          <a:solidFill>
+            <a:srgbClr val="A70C2F"/>
+          </a:solidFill>
+          <a:ln>
+            <a:noFill/>
+          </a:ln>
+        </p:spPr>
+        <p:txBody>
+          <a:bodyPr spcFirstLastPara="1" wrap="square" lIns="91425" tIns="45700" rIns="91425" bIns="45700" anchor="t" anchorCtr="0">
+            <a:noAutofit/>
+          </a:bodyPr>
+          <a:lstStyle/>
+          <a:p>
+            <a:pPr marL="0" marR="0" lvl="0" indent="0" algn="r" rtl="0">
+              <a:spcBef>
+                <a:spcPts val="0"/>
+              </a:spcBef>
+              <a:spcAft>
+                <a:spcPts val="0"/>
+              </a:spcAft>
+              <a:buNone/>
+            </a:pPr>
+            <a:endParaRPr sz="1200" b="0" i="0" u="none" strike="noStrike" cap="none">
+              <a:solidFill>
+                <a:srgbClr val="FFFFFF"/>
+              </a:solidFill>
+              <a:latin typeface="Calibri"/>
+              <a:ea typeface="Calibri"/>
+              <a:cs typeface="Calibri"/>
+              <a:sym typeface="Calibri"/>
+            </a:endParaRPr>
+          </a:p>
+        </p:txBody>
+      </p:sp>
+      <p:sp>
+        <p:nvSpPr>
+          <p:cNvPr id="3" name="Google Shape;57;p8">
+            <a:extLst>
+              <a:ext uri="{FF2B5EF4-FFF2-40B4-BE49-F238E27FC236}">
+                <a16:creationId xmlns:a16="http://schemas.microsoft.com/office/drawing/2014/main" id="{79D9D419-FA32-F614-A86C-603082D69211}"/>
+              </a:ext>
+            </a:extLst>
+          </p:cNvPr>
+          <p:cNvSpPr txBox="1"/>
+          <p:nvPr/>
+        </p:nvSpPr>
+        <p:spPr>
+          <a:xfrm>
+            <a:off x="352526" y="550203"/>
+            <a:ext cx="8360973" cy="800189"/>
+          </a:xfrm>
+          <a:prstGeom prst="rect">
+            <a:avLst/>
+          </a:prstGeom>
+          <a:noFill/>
+          <a:ln>
+            <a:noFill/>
+          </a:ln>
+        </p:spPr>
+        <p:txBody>
+          <a:bodyPr spcFirstLastPara="1" wrap="square" lIns="91425" tIns="91425" rIns="91425" bIns="91425" anchor="t" anchorCtr="0">
+            <a:spAutoFit/>
+          </a:bodyPr>
+          <a:lstStyle/>
+          <a:p>
+            <a:r>
+              <a:rPr lang="es-ES" sz="4000">
+                <a:latin typeface="Calibri"/>
+                <a:ea typeface="Calibri"/>
+                <a:cs typeface="Calibri"/>
+                <a:sym typeface="Calibri"/>
+              </a:rPr>
+              <a:t>Roadmap</a:t>
+            </a:r>
+            <a:endParaRPr sz="3000">
+              <a:latin typeface="Calibri"/>
+              <a:ea typeface="Calibri"/>
+              <a:cs typeface="Calibri"/>
+              <a:sym typeface="Calibri"/>
+            </a:endParaRPr>
+          </a:p>
+        </p:txBody>
+      </p:sp>
+      <p:sp>
+        <p:nvSpPr>
+          <p:cNvPr id="4" name="Google Shape;33;p6">
+            <a:extLst>
+              <a:ext uri="{FF2B5EF4-FFF2-40B4-BE49-F238E27FC236}">
+                <a16:creationId xmlns:a16="http://schemas.microsoft.com/office/drawing/2014/main" id="{A260BA3F-2BE9-B50F-1553-D3F1D7D2F72A}"/>
+              </a:ext>
+            </a:extLst>
+          </p:cNvPr>
+          <p:cNvSpPr txBox="1"/>
+          <p:nvPr/>
+        </p:nvSpPr>
+        <p:spPr>
+          <a:xfrm>
+            <a:off x="-11490" y="6529100"/>
+            <a:ext cx="12202886" cy="343910"/>
+          </a:xfrm>
+          <a:prstGeom prst="rect">
+            <a:avLst/>
+          </a:prstGeom>
+          <a:solidFill>
+            <a:srgbClr val="A70C2F"/>
+          </a:solidFill>
+          <a:ln>
+            <a:noFill/>
+          </a:ln>
+        </p:spPr>
+        <p:txBody>
+          <a:bodyPr spcFirstLastPara="1" wrap="square" lIns="91425" tIns="45700" rIns="91425" bIns="45700" anchor="t" anchorCtr="0">
+            <a:noAutofit/>
+          </a:bodyPr>
+          <a:lstStyle/>
+          <a:p>
+            <a:pPr marL="0" marR="0" lvl="0" indent="0" algn="r" rtl="0">
+              <a:spcBef>
+                <a:spcPts val="0"/>
+              </a:spcBef>
+              <a:spcAft>
+                <a:spcPts val="0"/>
+              </a:spcAft>
+              <a:buNone/>
+            </a:pPr>
+            <a:endParaRPr sz="1200" b="0" i="0" u="none" strike="noStrike" cap="none">
+              <a:solidFill>
+                <a:srgbClr val="FFFFFF"/>
+              </a:solidFill>
+              <a:latin typeface="Calibri"/>
+              <a:ea typeface="Calibri"/>
+              <a:cs typeface="Calibri"/>
+              <a:sym typeface="Calibri"/>
+            </a:endParaRPr>
+          </a:p>
+        </p:txBody>
+      </p:sp>
+      <p:sp>
+        <p:nvSpPr>
+          <p:cNvPr id="5" name="CuadroTexto 4">
+            <a:extLst>
+              <a:ext uri="{FF2B5EF4-FFF2-40B4-BE49-F238E27FC236}">
+                <a16:creationId xmlns:a16="http://schemas.microsoft.com/office/drawing/2014/main" id="{E64F10A5-716D-E4C5-BBC7-3751C9793D21}"/>
+              </a:ext>
+            </a:extLst>
+          </p:cNvPr>
+          <p:cNvSpPr txBox="1"/>
+          <p:nvPr/>
+        </p:nvSpPr>
+        <p:spPr>
+          <a:xfrm>
+            <a:off x="302015" y="6521816"/>
+            <a:ext cx="9385014" cy="338554"/>
+          </a:xfrm>
+          <a:prstGeom prst="rect">
+            <a:avLst/>
+          </a:prstGeom>
+          <a:noFill/>
+        </p:spPr>
+        <p:txBody>
+          <a:bodyPr wrap="square">
+            <a:spAutoFit/>
+          </a:bodyPr>
+          <a:lstStyle/>
+          <a:p>
+            <a:r>
+              <a:rPr lang="es-ES" sz="1600">
+                <a:solidFill>
+                  <a:schemeClr val="bg1"/>
+                </a:solidFill>
+                <a:latin typeface="Calibri" panose="020F0502020204030204" pitchFamily="34" charset="0"/>
+                <a:ea typeface="Calibri" panose="020F0502020204030204" pitchFamily="34" charset="0"/>
+                <a:cs typeface="Calibri" panose="020F0502020204030204" pitchFamily="34" charset="0"/>
+              </a:rPr>
+              <a:t>Transformo: a tool for data transformation using SPL techniques (tool)</a:t>
+            </a:r>
+          </a:p>
+        </p:txBody>
+      </p:sp>
+      <p:sp>
+        <p:nvSpPr>
+          <p:cNvPr id="8" name="Google Shape;57;p8">
+            <a:extLst>
+              <a:ext uri="{FF2B5EF4-FFF2-40B4-BE49-F238E27FC236}">
+                <a16:creationId xmlns:a16="http://schemas.microsoft.com/office/drawing/2014/main" id="{A80284A9-9FAA-7144-39C9-5E8025C178D5}"/>
+              </a:ext>
+            </a:extLst>
+          </p:cNvPr>
+          <p:cNvSpPr txBox="1"/>
+          <p:nvPr/>
+        </p:nvSpPr>
+        <p:spPr>
+          <a:xfrm>
+            <a:off x="1055688" y="1420604"/>
+            <a:ext cx="8360973" cy="646300"/>
+          </a:xfrm>
+          <a:prstGeom prst="rect">
+            <a:avLst/>
+          </a:prstGeom>
+          <a:noFill/>
+          <a:ln>
+            <a:noFill/>
+          </a:ln>
+        </p:spPr>
+        <p:txBody>
+          <a:bodyPr spcFirstLastPara="1" wrap="square" lIns="91425" tIns="91425" rIns="91425" bIns="91425" anchor="t" anchorCtr="0">
+            <a:spAutoFit/>
+          </a:bodyPr>
+          <a:lstStyle/>
+          <a:p>
+            <a:r>
+              <a:rPr lang="es-ES" sz="3000">
+                <a:latin typeface="Calibri"/>
+                <a:ea typeface="Calibri"/>
+                <a:cs typeface="Calibri"/>
+                <a:sym typeface="Calibri"/>
+              </a:rPr>
+              <a:t>#item_list</a:t>
+            </a:r>
+          </a:p>
+        </p:txBody>
+      </p:sp>
+    </p:spTree>
+    <p:extLst>
+      <p:ext uri="{BB962C8B-B14F-4D97-AF65-F5344CB8AC3E}">
+        <p14:creationId xmlns:p14="http://schemas.microsoft.com/office/powerpoint/2010/main" val="2682430629"/>
+      </p:ext>
+    </p:extLst>
+  </p:cSld>
+  <p:clrMapOvr>
+    <a:masterClrMapping/>
+  </p:clrMapOvr>
+</p:sld>
+</file>
+
+<file path=ppt/slides/slide4.xml><?xml version="1.0" encoding="utf-8"?>
+<p:sld xmlns:a="http://schemas.openxmlformats.org/drawingml/2006/main" xmlns:p="http://schemas.openxmlformats.org/presentationml/2006/main" xmlns:r="http://schemas.openxmlformats.org/officeDocument/2006/relationships">
+  <p:cSld>
+    <p:spTree>
+      <p:nvGrpSpPr>
+        <p:cNvPr id="1" name=""/>
+        <p:cNvGrpSpPr/>
+        <p:nvPr/>
+      </p:nvGrpSpPr>
+      <p:grpSpPr/>
+      <p:sp>
+        <p:nvSpPr>
+          <p:cNvPr id="2" name="Google Shape;33;p6">
+            <a:extLst>
+              <a:ext uri="{FF2B5EF4-FFF2-40B4-BE49-F238E27FC236}">
+                <a16:creationId xmlns:a16="http://schemas.microsoft.com/office/drawing/2014/main" id="{24DE90CE-0690-B7F8-F0B8-C0FE92B976B2}"/>
+              </a:ext>
+            </a:extLst>
+          </p:cNvPr>
+          <p:cNvSpPr txBox="1"/>
+          <p:nvPr/>
+        </p:nvSpPr>
+        <p:spPr>
+          <a:xfrm>
+            <a:off x="-6047" y="0"/>
+            <a:ext cx="12202886" cy="374700"/>
+          </a:xfrm>
+          <a:prstGeom prst="rect">
+            <a:avLst/>
+          </a:prstGeom>
+          <a:solidFill>
+            <a:srgbClr val="A70C2F"/>
+          </a:solidFill>
+          <a:ln>
+            <a:noFill/>
+          </a:ln>
+        </p:spPr>
+        <p:txBody>
+          <a:bodyPr spcFirstLastPara="1" wrap="square" lIns="91425" tIns="45700" rIns="91425" bIns="45700" anchor="t" anchorCtr="0">
+            <a:noAutofit/>
+          </a:bodyPr>
+          <a:lstStyle/>
+          <a:p>
+            <a:pPr marL="0" marR="0" lvl="0" indent="0" algn="r" rtl="0">
+              <a:spcBef>
+                <a:spcPts val="0"/>
+              </a:spcBef>
+              <a:spcAft>
+                <a:spcPts val="0"/>
+              </a:spcAft>
+              <a:buNone/>
+            </a:pPr>
+            <a:endParaRPr sz="1200" b="0" i="0" u="none" strike="noStrike" cap="none">
+              <a:solidFill>
+                <a:srgbClr val="FFFFFF"/>
+              </a:solidFill>
+              <a:latin typeface="Calibri"/>
+              <a:ea typeface="Calibri"/>
+              <a:cs typeface="Calibri"/>
+              <a:sym typeface="Calibri"/>
+            </a:endParaRPr>
+          </a:p>
+        </p:txBody>
+      </p:sp>
+      <p:sp>
+        <p:nvSpPr>
+          <p:cNvPr id="3" name="Google Shape;57;p8">
+            <a:extLst>
+              <a:ext uri="{FF2B5EF4-FFF2-40B4-BE49-F238E27FC236}">
+                <a16:creationId xmlns:a16="http://schemas.microsoft.com/office/drawing/2014/main" id="{79D9D419-FA32-F614-A86C-603082D69211}"/>
+              </a:ext>
+            </a:extLst>
+          </p:cNvPr>
+          <p:cNvSpPr txBox="1"/>
+          <p:nvPr/>
+        </p:nvSpPr>
+        <p:spPr>
+          <a:xfrm>
+            <a:off x="352526" y="550203"/>
+            <a:ext cx="8360973" cy="800189"/>
+          </a:xfrm>
+          <a:prstGeom prst="rect">
+            <a:avLst/>
+          </a:prstGeom>
+          <a:noFill/>
+          <a:ln>
+            <a:noFill/>
+          </a:ln>
+        </p:spPr>
+        <p:txBody>
+          <a:bodyPr spcFirstLastPara="1" wrap="square" lIns="91425" tIns="91425" rIns="91425" bIns="91425" anchor="t" anchorCtr="0">
+            <a:spAutoFit/>
+          </a:bodyPr>
+          <a:lstStyle/>
+          <a:p>
+            <a:r>
+              <a:rPr lang="es-ES" sz="4000">
+                <a:latin typeface="Calibri"/>
+                <a:ea typeface="Calibri"/>
+                <a:cs typeface="Calibri"/>
+                <a:sym typeface="Calibri"/>
+              </a:rPr>
+              <a:t>Roadmap</a:t>
+            </a:r>
+            <a:endParaRPr sz="3000">
+              <a:latin typeface="Calibri"/>
+              <a:ea typeface="Calibri"/>
+              <a:cs typeface="Calibri"/>
+              <a:sym typeface="Calibri"/>
+            </a:endParaRPr>
+          </a:p>
+        </p:txBody>
+      </p:sp>
+      <p:sp>
+        <p:nvSpPr>
+          <p:cNvPr id="4" name="Google Shape;33;p6">
+            <a:extLst>
+              <a:ext uri="{FF2B5EF4-FFF2-40B4-BE49-F238E27FC236}">
+                <a16:creationId xmlns:a16="http://schemas.microsoft.com/office/drawing/2014/main" id="{A260BA3F-2BE9-B50F-1553-D3F1D7D2F72A}"/>
+              </a:ext>
+            </a:extLst>
+          </p:cNvPr>
+          <p:cNvSpPr txBox="1"/>
+          <p:nvPr/>
+        </p:nvSpPr>
+        <p:spPr>
+          <a:xfrm>
+            <a:off x="-11490" y="6529100"/>
+            <a:ext cx="12202886" cy="343910"/>
+          </a:xfrm>
+          <a:prstGeom prst="rect">
+            <a:avLst/>
+          </a:prstGeom>
+          <a:solidFill>
+            <a:srgbClr val="A70C2F"/>
+          </a:solidFill>
+          <a:ln>
+            <a:noFill/>
+          </a:ln>
+        </p:spPr>
+        <p:txBody>
+          <a:bodyPr spcFirstLastPara="1" wrap="square" lIns="91425" tIns="45700" rIns="91425" bIns="45700" anchor="t" anchorCtr="0">
+            <a:noAutofit/>
+          </a:bodyPr>
+          <a:lstStyle/>
+          <a:p>
+            <a:pPr marL="0" marR="0" lvl="0" indent="0" algn="r" rtl="0">
+              <a:spcBef>
+                <a:spcPts val="0"/>
+              </a:spcBef>
+              <a:spcAft>
+                <a:spcPts val="0"/>
+              </a:spcAft>
+              <a:buNone/>
+            </a:pPr>
+            <a:endParaRPr sz="1200" b="0" i="0" u="none" strike="noStrike" cap="none">
+              <a:solidFill>
+                <a:srgbClr val="FFFFFF"/>
+              </a:solidFill>
+              <a:latin typeface="Calibri"/>
+              <a:ea typeface="Calibri"/>
+              <a:cs typeface="Calibri"/>
+              <a:sym typeface="Calibri"/>
+            </a:endParaRPr>
+          </a:p>
+        </p:txBody>
+      </p:sp>
+      <p:sp>
+        <p:nvSpPr>
+          <p:cNvPr id="5" name="CuadroTexto 4">
+            <a:extLst>
+              <a:ext uri="{FF2B5EF4-FFF2-40B4-BE49-F238E27FC236}">
+                <a16:creationId xmlns:a16="http://schemas.microsoft.com/office/drawing/2014/main" id="{E64F10A5-716D-E4C5-BBC7-3751C9793D21}"/>
+              </a:ext>
+            </a:extLst>
+          </p:cNvPr>
+          <p:cNvSpPr txBox="1"/>
+          <p:nvPr/>
+        </p:nvSpPr>
+        <p:spPr>
+          <a:xfrm>
+            <a:off x="302015" y="6521816"/>
+            <a:ext cx="9385014" cy="338554"/>
+          </a:xfrm>
+          <a:prstGeom prst="rect">
+            <a:avLst/>
+          </a:prstGeom>
+          <a:noFill/>
+        </p:spPr>
+        <p:txBody>
+          <a:bodyPr wrap="square">
+            <a:spAutoFit/>
+          </a:bodyPr>
+          <a:lstStyle/>
+          <a:p>
+            <a:r>
+              <a:rPr lang="es-ES" sz="1600">
+                <a:solidFill>
+                  <a:schemeClr val="bg1"/>
+                </a:solidFill>
+                <a:latin typeface="Calibri" panose="020F0502020204030204" pitchFamily="34" charset="0"/>
+                <a:ea typeface="Calibri" panose="020F0502020204030204" pitchFamily="34" charset="0"/>
+                <a:cs typeface="Calibri" panose="020F0502020204030204" pitchFamily="34" charset="0"/>
+              </a:rPr>
+              <a:t>Transformo: a tool for data transformation using SPL techniques (tool)</a:t>
+            </a:r>
+          </a:p>
+        </p:txBody>
+      </p:sp>
+      <p:sp>
+        <p:nvSpPr>
+          <p:cNvPr id="8" name="Google Shape;57;p8">
+            <a:extLst>
+              <a:ext uri="{FF2B5EF4-FFF2-40B4-BE49-F238E27FC236}">
+                <a16:creationId xmlns:a16="http://schemas.microsoft.com/office/drawing/2014/main" id="{A80284A9-9FAA-7144-39C9-5E8025C178D5}"/>
+              </a:ext>
+            </a:extLst>
+          </p:cNvPr>
+          <p:cNvSpPr txBox="1"/>
+          <p:nvPr/>
+        </p:nvSpPr>
+        <p:spPr>
+          <a:xfrm>
+            <a:off x="1055688" y="1420604"/>
+            <a:ext cx="8360973" cy="646300"/>
+          </a:xfrm>
+          <a:prstGeom prst="rect">
+            <a:avLst/>
+          </a:prstGeom>
+          <a:noFill/>
+          <a:ln>
+            <a:noFill/>
+          </a:ln>
+        </p:spPr>
+        <p:txBody>
+          <a:bodyPr spcFirstLastPara="1" wrap="square" lIns="91425" tIns="91425" rIns="91425" bIns="91425" anchor="t" anchorCtr="0">
+            <a:spAutoFit/>
+          </a:bodyPr>
+          <a:lstStyle/>
+          <a:p>
+            <a:r>
+              <a:rPr b="1" sz="3000">
+                <a:latin typeface="Calibri"/>
+              </a:rPr>
+              <a:t>1. Introducción al Tema</a:t>
+            </a:r>
+          </a:p>
+          <a:p>
+            <a:r>
+              <a:rPr b="0" sz="3000">
+                <a:latin typeface="Calibri"/>
+              </a:rPr>
+              <a:t>2. Fundamentos de Transformo</a:t>
+            </a:r>
+          </a:p>
+          <a:p>
+            <a:r>
+              <a:rPr b="0" sz="3000">
+                <a:latin typeface="Calibri"/>
+              </a:rPr>
+              <a:t>3. Aplicaciones en la industria</a:t>
+            </a:r>
+          </a:p>
+          <a:p>
+            <a:r>
+              <a:rPr b="0" sz="3000">
+                <a:latin typeface="Calibri"/>
+              </a:rPr>
+              <a:t>4. Conclusión y Futuras Direcciones</a:t>
+            </a:r>
           </a:p>
         </p:txBody>
       </p:sp>
@@ -9657,7 +11142,7 @@
                 <a:cs typeface="Calibri"/>
                 <a:sym typeface="Calibri"/>
               </a:rPr>
-              <a:t>1.3. Principios básicos</a:t>
+              <a:t>1.1. Un breve resumen</a:t>
             </a:r>
             <a:endParaRPr sz="3000">
               <a:latin typeface="Calibri"/>
@@ -9858,7 +11343,7 @@
                 <a:cs typeface="Calibri"/>
                 <a:sym typeface="Calibri"/>
               </a:rPr>
-              <a:t>03 - 20</a:t>
+              <a:t>01 - 20</a:t>
             </a:r>
             <a:endParaRPr sz="2500" b="1">
               <a:solidFill>
@@ -9999,7 +11484,7 @@
                 <a:cs typeface="Calibri"/>
                 <a:sym typeface="Calibri"/>
               </a:rPr>
-              <a:t>1.4. Características avanzadas</a:t>
+              <a:t>1.2. Otro breve resumen</a:t>
             </a:r>
             <a:endParaRPr sz="3000">
               <a:latin typeface="Calibri"/>
@@ -10200,7 +11685,7 @@
                 <a:cs typeface="Calibri"/>
                 <a:sym typeface="Calibri"/>
               </a:rPr>
-              <a:t>04 - 20</a:t>
+              <a:t>02 - 20</a:t>
             </a:r>
             <a:endParaRPr sz="2500" b="1">
               <a:solidFill>
@@ -10341,7 +11826,7 @@
                 <a:cs typeface="Calibri"/>
                 <a:sym typeface="Calibri"/>
               </a:rPr>
-              <a:t>1.5. Caso de estudio: Automoción</a:t>
+              <a:t>1.3. Principios básicos</a:t>
             </a:r>
             <a:endParaRPr sz="3000">
               <a:latin typeface="Calibri"/>
@@ -10542,7 +12027,7 @@
                 <a:cs typeface="Calibri"/>
                 <a:sym typeface="Calibri"/>
               </a:rPr>
-              <a:t>05 - 20</a:t>
+              <a:t>03 - 20</a:t>
             </a:r>
             <a:endParaRPr sz="2500" b="1">
               <a:solidFill>
@@ -10683,7 +12168,7 @@
                 <a:cs typeface="Calibri"/>
                 <a:sym typeface="Calibri"/>
               </a:rPr>
-              <a:t>1.6. Caso de estudio: Energía</a:t>
+              <a:t>1.4. Características avanzadas</a:t>
             </a:r>
             <a:endParaRPr sz="3000">
               <a:latin typeface="Calibri"/>
@@ -10884,7 +12369,7 @@
                 <a:cs typeface="Calibri"/>
                 <a:sym typeface="Calibri"/>
               </a:rPr>
-              <a:t>06 - 20</a:t>
+              <a:t>04 - 20</a:t>
             </a:r>
             <a:endParaRPr sz="2500" b="1">
               <a:solidFill>
@@ -11025,7 +12510,7 @@
                 <a:cs typeface="Calibri"/>
                 <a:sym typeface="Calibri"/>
               </a:rPr>
-              <a:t>1.7. Resumen</a:t>
+              <a:t>1.5. Caso de estudio: Automoción</a:t>
             </a:r>
             <a:endParaRPr sz="3000">
               <a:latin typeface="Calibri"/>
@@ -11226,7 +12711,7 @@
                 <a:cs typeface="Calibri"/>
                 <a:sym typeface="Calibri"/>
               </a:rPr>
-              <a:t>07 - 20</a:t>
+              <a:t>05 - 20</a:t>
             </a:r>
             <a:endParaRPr sz="2500" b="1">
               <a:solidFill>

--- a/output.pptx
+++ b/output.pptx
@@ -9,7 +9,6 @@
   </p:notesMasterIdLst>
   <p:sldIdLst>
     <p:sldId id="294" r:id="rId2"/>
-    <p:sldId id="327" r:id="rId4"/>
     <p:sldId id="328" r:id="rId10"/>
     <p:sldId id="329" r:id="rId11"/>
     <p:sldId id="330" r:id="rId12"/>
@@ -587,7 +586,7 @@
     </p:spTree>
     <p:extLst>
       <p:ext uri="{BB962C8B-B14F-4D97-AF65-F5344CB8AC3E}">
-        <p14:creationId xmlns:p14="http://schemas.microsoft.com/office/powerpoint/2010/main" val="1202887332"/>
+        <p14:creationId xmlns:p14="http://schemas.microsoft.com/office/powerpoint/2010/main" val="2431139541"/>
       </p:ext>
     </p:extLst>
   </p:cSld>
@@ -10556,7 +10555,7 @@
         <p:spPr>
           <a:xfrm>
             <a:off x="352526" y="550203"/>
-            <a:ext cx="8360973" cy="800189"/>
+            <a:ext cx="8360973" cy="1262100"/>
           </a:xfrm>
           <a:prstGeom prst="rect">
             <a:avLst/>
@@ -10579,7 +10578,24 @@
                 <a:cs typeface="Calibri"/>
                 <a:sym typeface="Calibri"/>
               </a:rPr>
-              <a:t>Roadmap</a:t>
+              <a:t>#section_title</a:t>
+            </a:r>
+            <a:endParaRPr sz="4000">
+              <a:latin typeface="Calibri"/>
+              <a:ea typeface="Calibri"/>
+              <a:cs typeface="Calibri"/>
+              <a:sym typeface="Calibri"/>
+            </a:endParaRPr>
+          </a:p>
+          <a:p>
+            <a:r>
+              <a:rPr lang="es-ES" sz="3000">
+                <a:latin typeface="Calibri"/>
+                <a:ea typeface="Calibri"/>
+                <a:cs typeface="Calibri"/>
+                <a:sym typeface="Calibri"/>
+              </a:rPr>
+              <a:t>#section_subtitle</a:t>
             </a:r>
             <a:endParaRPr sz="3000">
               <a:latin typeface="Calibri"/>
@@ -10605,7 +10621,7 @@
         <p:spPr>
           <a:xfrm>
             <a:off x="-11490" y="6529100"/>
-            <a:ext cx="12202886" cy="343910"/>
+            <a:ext cx="11348500" cy="343910"/>
           </a:xfrm>
           <a:prstGeom prst="rect">
             <a:avLst/>
@@ -10646,6 +10662,58 @@
       </p:sp>
       <p:sp>
         <p:nvSpPr>
+          <p:cNvPr id="6" name="Elipse 5">
+            <a:extLst>
+              <a:ext uri="{FF2B5EF4-FFF2-40B4-BE49-F238E27FC236}">
+                <a16:creationId xmlns:a16="http://schemas.microsoft.com/office/drawing/2014/main" id="{A21EC5A5-23EA-60FD-46B7-7FAD7834D26E}"/>
+              </a:ext>
+            </a:extLst>
+          </p:cNvPr>
+          <p:cNvSpPr/>
+          <p:nvPr/>
+        </p:nvSpPr>
+        <p:spPr>
+          <a:xfrm>
+            <a:off x="10852690" y="5972624"/>
+            <a:ext cx="1413790" cy="1263153"/>
+          </a:xfrm>
+          <a:prstGeom prst="ellipse">
+            <a:avLst/>
+          </a:prstGeom>
+          <a:solidFill>
+            <a:srgbClr val="A80C30"/>
+          </a:solidFill>
+          <a:ln>
+            <a:noFill/>
+          </a:ln>
+        </p:spPr>
+        <p:style>
+          <a:lnRef idx="2">
+            <a:schemeClr val="accent1">
+              <a:shade val="50000"/>
+            </a:schemeClr>
+          </a:lnRef>
+          <a:fillRef idx="1">
+            <a:schemeClr val="accent1"/>
+          </a:fillRef>
+          <a:effectRef idx="0">
+            <a:schemeClr val="accent1"/>
+          </a:effectRef>
+          <a:fontRef idx="minor">
+            <a:schemeClr val="lt1"/>
+          </a:fontRef>
+        </p:style>
+        <p:txBody>
+          <a:bodyPr rtlCol="0" anchor="ctr"/>
+          <a:lstStyle/>
+          <a:p>
+            <a:pPr algn="ctr"/>
+            <a:endParaRPr lang="es-ES"/>
+          </a:p>
+        </p:txBody>
+      </p:sp>
+      <p:sp>
+        <p:nvSpPr>
           <p:cNvPr id="5" name="CuadroTexto 4">
             <a:extLst>
               <a:ext uri="{FF2B5EF4-FFF2-40B4-BE49-F238E27FC236}">
@@ -10688,10 +10756,10 @@
       </p:sp>
       <p:sp>
         <p:nvSpPr>
-          <p:cNvPr id="8" name="Google Shape;57;p8">
-            <a:extLst>
-              <a:ext uri="{FF2B5EF4-FFF2-40B4-BE49-F238E27FC236}">
-                <a16:creationId xmlns:a16="http://schemas.microsoft.com/office/drawing/2014/main" id="{A80284A9-9FAA-7144-39C9-5E8025C178D5}"/>
+          <p:cNvPr id="7" name="Google Shape;170;p17">
+            <a:extLst>
+              <a:ext uri="{FF2B5EF4-FFF2-40B4-BE49-F238E27FC236}">
+                <a16:creationId xmlns:a16="http://schemas.microsoft.com/office/drawing/2014/main" id="{27080597-2E99-61C9-2277-0BE143507FA1}"/>
               </a:ext>
             </a:extLst>
           </p:cNvPr>
@@ -10700,8 +10768,8 @@
         </p:nvSpPr>
         <p:spPr>
           <a:xfrm>
-            <a:off x="1055688" y="1420604"/>
-            <a:ext cx="8360973" cy="646300"/>
+            <a:off x="10927171" y="6263662"/>
+            <a:ext cx="1264829" cy="954077"/>
           </a:xfrm>
           <a:prstGeom prst="rect">
             <a:avLst/>
@@ -10717,22 +10785,35 @@
           </a:bodyPr>
           <a:lstStyle/>
           <a:p>
-            <a:r>
-              <a:rPr lang="es-ES" sz="3000">
+            <a:pPr algn="ctr"/>
+            <a:r>
+              <a:rPr lang="es-ES" sz="2500" b="1">
+                <a:solidFill>
+                  <a:srgbClr val="F3F3F3"/>
+                </a:solidFill>
                 <a:latin typeface="Calibri"/>
                 <a:ea typeface="Calibri"/>
                 <a:cs typeface="Calibri"/>
                 <a:sym typeface="Calibri"/>
               </a:rPr>
-              <a:t>#item_list</a:t>
-            </a:r>
+              <a:t>#slide_number</a:t>
+            </a:r>
+            <a:endParaRPr sz="2500" b="1">
+              <a:solidFill>
+                <a:srgbClr val="F3F3F3"/>
+              </a:solidFill>
+              <a:latin typeface="Calibri"/>
+              <a:ea typeface="Calibri"/>
+              <a:cs typeface="Calibri"/>
+              <a:sym typeface="Calibri"/>
+            </a:endParaRPr>
           </a:p>
         </p:txBody>
       </p:sp>
     </p:spTree>
     <p:extLst>
       <p:ext uri="{BB962C8B-B14F-4D97-AF65-F5344CB8AC3E}">
-        <p14:creationId xmlns:p14="http://schemas.microsoft.com/office/powerpoint/2010/main" val="2682430629"/>
+        <p14:creationId xmlns:p14="http://schemas.microsoft.com/office/powerpoint/2010/main" val="3994578730"/>
       </p:ext>
     </p:extLst>
   </p:cSld>
